--- a/Documentation/2021/Wettbewerb/Plakat/Archer-Tracker.pptx
+++ b/Documentation/2021/Wettbewerb/Plakat/Archer-Tracker.pptx
@@ -4,6 +4,9 @@
   <p:sldMasterIdLst>
     <p:sldMasterId id="2147483660" r:id="rId1"/>
   </p:sldMasterIdLst>
+  <p:notesMasterIdLst>
+    <p:notesMasterId r:id="rId3"/>
+  </p:notesMasterIdLst>
   <p:sldIdLst>
     <p:sldId id="256" r:id="rId2"/>
   </p:sldIdLst>
@@ -104,7 +107,361 @@
       </a:defRPr>
     </a:lvl9pPr>
   </p:defaultTextStyle>
+  <p:extLst>
+    <p:ext uri="{EFAFB233-063F-42B5-8137-9DF3F51BA10A}">
+      <p15:sldGuideLst xmlns:p15="http://schemas.microsoft.com/office/powerpoint/2012/main"/>
+    </p:ext>
+  </p:extLst>
 </p:presentation>
+</file>
+
+<file path=ppt/notesMasters/notesMaster1.xml><?xml version="1.0" encoding="utf-8"?>
+<p:notesMaster xmlns:a="http://schemas.openxmlformats.org/drawingml/2006/main" xmlns:r="http://schemas.openxmlformats.org/officeDocument/2006/relationships" xmlns:p="http://schemas.openxmlformats.org/presentationml/2006/main">
+  <p:cSld>
+    <p:bg>
+      <p:bgRef idx="1001">
+        <a:schemeClr val="bg1"/>
+      </p:bgRef>
+    </p:bg>
+    <p:spTree>
+      <p:nvGrpSpPr>
+        <p:cNvPr id="1" name=""/>
+        <p:cNvGrpSpPr/>
+        <p:nvPr/>
+      </p:nvGrpSpPr>
+      <p:grpSpPr>
+        <a:xfrm>
+          <a:off x="0" y="0"/>
+          <a:ext cx="0" cy="0"/>
+          <a:chOff x="0" y="0"/>
+          <a:chExt cx="0" cy="0"/>
+        </a:xfrm>
+      </p:grpSpPr>
+      <p:sp>
+        <p:nvSpPr>
+          <p:cNvPr id="2" name="Kopfzeilenplatzhalter 1"/>
+          <p:cNvSpPr>
+            <a:spLocks noGrp="1"/>
+          </p:cNvSpPr>
+          <p:nvPr>
+            <p:ph type="hdr" sz="quarter"/>
+          </p:nvPr>
+        </p:nvSpPr>
+        <p:spPr>
+          <a:xfrm>
+            <a:off x="0" y="0"/>
+            <a:ext cx="2971800" cy="458788"/>
+          </a:xfrm>
+          <a:prstGeom prst="rect">
+            <a:avLst/>
+          </a:prstGeom>
+        </p:spPr>
+        <p:txBody>
+          <a:bodyPr vert="horz" lIns="91440" tIns="45720" rIns="91440" bIns="45720" rtlCol="0"/>
+          <a:lstStyle>
+            <a:lvl1pPr algn="l">
+              <a:defRPr sz="1200"/>
+            </a:lvl1pPr>
+          </a:lstStyle>
+          <a:p>
+            <a:endParaRPr lang="de-DE"/>
+          </a:p>
+        </p:txBody>
+      </p:sp>
+      <p:sp>
+        <p:nvSpPr>
+          <p:cNvPr id="3" name="Datumsplatzhalter 2"/>
+          <p:cNvSpPr>
+            <a:spLocks noGrp="1"/>
+          </p:cNvSpPr>
+          <p:nvPr>
+            <p:ph type="dt" idx="1"/>
+          </p:nvPr>
+        </p:nvSpPr>
+        <p:spPr>
+          <a:xfrm>
+            <a:off x="3884613" y="0"/>
+            <a:ext cx="2971800" cy="458788"/>
+          </a:xfrm>
+          <a:prstGeom prst="rect">
+            <a:avLst/>
+          </a:prstGeom>
+        </p:spPr>
+        <p:txBody>
+          <a:bodyPr vert="horz" lIns="91440" tIns="45720" rIns="91440" bIns="45720" rtlCol="0"/>
+          <a:lstStyle>
+            <a:lvl1pPr algn="r">
+              <a:defRPr sz="1200"/>
+            </a:lvl1pPr>
+          </a:lstStyle>
+          <a:p>
+            <a:fld id="{8EDD86B5-F1CE-4811-86A3-753E6AA0071D}" type="datetimeFigureOut">
+              <a:rPr lang="de-DE" smtClean="0"/>
+              <a:t>13.01.2022</a:t>
+            </a:fld>
+            <a:endParaRPr lang="de-DE"/>
+          </a:p>
+        </p:txBody>
+      </p:sp>
+      <p:sp>
+        <p:nvSpPr>
+          <p:cNvPr id="4" name="Folienbildplatzhalter 3"/>
+          <p:cNvSpPr>
+            <a:spLocks noGrp="1" noRot="1" noChangeAspect="1"/>
+          </p:cNvSpPr>
+          <p:nvPr>
+            <p:ph type="sldImg" idx="2"/>
+          </p:nvPr>
+        </p:nvSpPr>
+        <p:spPr>
+          <a:xfrm>
+            <a:off x="1628775" y="1143000"/>
+            <a:ext cx="3600450" cy="3086100"/>
+          </a:xfrm>
+          <a:prstGeom prst="rect">
+            <a:avLst/>
+          </a:prstGeom>
+          <a:noFill/>
+          <a:ln w="12700">
+            <a:solidFill>
+              <a:prstClr val="black"/>
+            </a:solidFill>
+          </a:ln>
+        </p:spPr>
+        <p:txBody>
+          <a:bodyPr vert="horz" lIns="91440" tIns="45720" rIns="91440" bIns="45720" rtlCol="0" anchor="ctr"/>
+          <a:lstStyle/>
+          <a:p>
+            <a:endParaRPr lang="de-DE"/>
+          </a:p>
+        </p:txBody>
+      </p:sp>
+      <p:sp>
+        <p:nvSpPr>
+          <p:cNvPr id="5" name="Notizenplatzhalter 4"/>
+          <p:cNvSpPr>
+            <a:spLocks noGrp="1"/>
+          </p:cNvSpPr>
+          <p:nvPr>
+            <p:ph type="body" sz="quarter" idx="3"/>
+          </p:nvPr>
+        </p:nvSpPr>
+        <p:spPr>
+          <a:xfrm>
+            <a:off x="685800" y="4400550"/>
+            <a:ext cx="5486400" cy="3600450"/>
+          </a:xfrm>
+          <a:prstGeom prst="rect">
+            <a:avLst/>
+          </a:prstGeom>
+        </p:spPr>
+        <p:txBody>
+          <a:bodyPr vert="horz" lIns="91440" tIns="45720" rIns="91440" bIns="45720" rtlCol="0"/>
+          <a:lstStyle/>
+          <a:p>
+            <a:pPr lvl="0"/>
+            <a:r>
+              <a:rPr lang="de-DE"/>
+              <a:t>Mastertextformat bearbeiten</a:t>
+            </a:r>
+          </a:p>
+          <a:p>
+            <a:pPr lvl="1"/>
+            <a:r>
+              <a:rPr lang="de-DE"/>
+              <a:t>Zweite Ebene</a:t>
+            </a:r>
+          </a:p>
+          <a:p>
+            <a:pPr lvl="2"/>
+            <a:r>
+              <a:rPr lang="de-DE"/>
+              <a:t>Dritte Ebene</a:t>
+            </a:r>
+          </a:p>
+          <a:p>
+            <a:pPr lvl="3"/>
+            <a:r>
+              <a:rPr lang="de-DE"/>
+              <a:t>Vierte Ebene</a:t>
+            </a:r>
+          </a:p>
+          <a:p>
+            <a:pPr lvl="4"/>
+            <a:r>
+              <a:rPr lang="de-DE"/>
+              <a:t>Fünfte Ebene</a:t>
+            </a:r>
+          </a:p>
+        </p:txBody>
+      </p:sp>
+      <p:sp>
+        <p:nvSpPr>
+          <p:cNvPr id="6" name="Fußzeilenplatzhalter 5"/>
+          <p:cNvSpPr>
+            <a:spLocks noGrp="1"/>
+          </p:cNvSpPr>
+          <p:nvPr>
+            <p:ph type="ftr" sz="quarter" idx="4"/>
+          </p:nvPr>
+        </p:nvSpPr>
+        <p:spPr>
+          <a:xfrm>
+            <a:off x="0" y="8685213"/>
+            <a:ext cx="2971800" cy="458787"/>
+          </a:xfrm>
+          <a:prstGeom prst="rect">
+            <a:avLst/>
+          </a:prstGeom>
+        </p:spPr>
+        <p:txBody>
+          <a:bodyPr vert="horz" lIns="91440" tIns="45720" rIns="91440" bIns="45720" rtlCol="0" anchor="b"/>
+          <a:lstStyle>
+            <a:lvl1pPr algn="l">
+              <a:defRPr sz="1200"/>
+            </a:lvl1pPr>
+          </a:lstStyle>
+          <a:p>
+            <a:endParaRPr lang="de-DE"/>
+          </a:p>
+        </p:txBody>
+      </p:sp>
+      <p:sp>
+        <p:nvSpPr>
+          <p:cNvPr id="7" name="Foliennummernplatzhalter 6"/>
+          <p:cNvSpPr>
+            <a:spLocks noGrp="1"/>
+          </p:cNvSpPr>
+          <p:nvPr>
+            <p:ph type="sldNum" sz="quarter" idx="5"/>
+          </p:nvPr>
+        </p:nvSpPr>
+        <p:spPr>
+          <a:xfrm>
+            <a:off x="3884613" y="8685213"/>
+            <a:ext cx="2971800" cy="458787"/>
+          </a:xfrm>
+          <a:prstGeom prst="rect">
+            <a:avLst/>
+          </a:prstGeom>
+        </p:spPr>
+        <p:txBody>
+          <a:bodyPr vert="horz" lIns="91440" tIns="45720" rIns="91440" bIns="45720" rtlCol="0" anchor="b"/>
+          <a:lstStyle>
+            <a:lvl1pPr algn="r">
+              <a:defRPr sz="1200"/>
+            </a:lvl1pPr>
+          </a:lstStyle>
+          <a:p>
+            <a:fld id="{3EF2AA0F-4994-4ADF-BE4B-4A3A1A500F04}" type="slidenum">
+              <a:rPr lang="de-DE" smtClean="0"/>
+              <a:t>‹Nr.›</a:t>
+            </a:fld>
+            <a:endParaRPr lang="de-DE"/>
+          </a:p>
+        </p:txBody>
+      </p:sp>
+    </p:spTree>
+    <p:extLst>
+      <p:ext uri="{BB962C8B-B14F-4D97-AF65-F5344CB8AC3E}">
+        <p14:creationId xmlns:p14="http://schemas.microsoft.com/office/powerpoint/2010/main" val="1182818679"/>
+      </p:ext>
+    </p:extLst>
+  </p:cSld>
+  <p:clrMap bg1="lt1" tx1="dk1" bg2="lt2" tx2="dk2" accent1="accent1" accent2="accent2" accent3="accent3" accent4="accent4" accent5="accent5" accent6="accent6" hlink="hlink" folHlink="folHlink"/>
+  <p:notesStyle>
+    <a:lvl1pPr marL="0" algn="l" defTabSz="914400" rtl="0" eaLnBrk="1" latinLnBrk="0" hangingPunct="1">
+      <a:defRPr sz="1200" kern="1200">
+        <a:solidFill>
+          <a:schemeClr val="tx1"/>
+        </a:solidFill>
+        <a:latin typeface="+mn-lt"/>
+        <a:ea typeface="+mn-ea"/>
+        <a:cs typeface="+mn-cs"/>
+      </a:defRPr>
+    </a:lvl1pPr>
+    <a:lvl2pPr marL="457200" algn="l" defTabSz="914400" rtl="0" eaLnBrk="1" latinLnBrk="0" hangingPunct="1">
+      <a:defRPr sz="1200" kern="1200">
+        <a:solidFill>
+          <a:schemeClr val="tx1"/>
+        </a:solidFill>
+        <a:latin typeface="+mn-lt"/>
+        <a:ea typeface="+mn-ea"/>
+        <a:cs typeface="+mn-cs"/>
+      </a:defRPr>
+    </a:lvl2pPr>
+    <a:lvl3pPr marL="914400" algn="l" defTabSz="914400" rtl="0" eaLnBrk="1" latinLnBrk="0" hangingPunct="1">
+      <a:defRPr sz="1200" kern="1200">
+        <a:solidFill>
+          <a:schemeClr val="tx1"/>
+        </a:solidFill>
+        <a:latin typeface="+mn-lt"/>
+        <a:ea typeface="+mn-ea"/>
+        <a:cs typeface="+mn-cs"/>
+      </a:defRPr>
+    </a:lvl3pPr>
+    <a:lvl4pPr marL="1371600" algn="l" defTabSz="914400" rtl="0" eaLnBrk="1" latinLnBrk="0" hangingPunct="1">
+      <a:defRPr sz="1200" kern="1200">
+        <a:solidFill>
+          <a:schemeClr val="tx1"/>
+        </a:solidFill>
+        <a:latin typeface="+mn-lt"/>
+        <a:ea typeface="+mn-ea"/>
+        <a:cs typeface="+mn-cs"/>
+      </a:defRPr>
+    </a:lvl4pPr>
+    <a:lvl5pPr marL="1828800" algn="l" defTabSz="914400" rtl="0" eaLnBrk="1" latinLnBrk="0" hangingPunct="1">
+      <a:defRPr sz="1200" kern="1200">
+        <a:solidFill>
+          <a:schemeClr val="tx1"/>
+        </a:solidFill>
+        <a:latin typeface="+mn-lt"/>
+        <a:ea typeface="+mn-ea"/>
+        <a:cs typeface="+mn-cs"/>
+      </a:defRPr>
+    </a:lvl5pPr>
+    <a:lvl6pPr marL="2286000" algn="l" defTabSz="914400" rtl="0" eaLnBrk="1" latinLnBrk="0" hangingPunct="1">
+      <a:defRPr sz="1200" kern="1200">
+        <a:solidFill>
+          <a:schemeClr val="tx1"/>
+        </a:solidFill>
+        <a:latin typeface="+mn-lt"/>
+        <a:ea typeface="+mn-ea"/>
+        <a:cs typeface="+mn-cs"/>
+      </a:defRPr>
+    </a:lvl6pPr>
+    <a:lvl7pPr marL="2743200" algn="l" defTabSz="914400" rtl="0" eaLnBrk="1" latinLnBrk="0" hangingPunct="1">
+      <a:defRPr sz="1200" kern="1200">
+        <a:solidFill>
+          <a:schemeClr val="tx1"/>
+        </a:solidFill>
+        <a:latin typeface="+mn-lt"/>
+        <a:ea typeface="+mn-ea"/>
+        <a:cs typeface="+mn-cs"/>
+      </a:defRPr>
+    </a:lvl7pPr>
+    <a:lvl8pPr marL="3200400" algn="l" defTabSz="914400" rtl="0" eaLnBrk="1" latinLnBrk="0" hangingPunct="1">
+      <a:defRPr sz="1200" kern="1200">
+        <a:solidFill>
+          <a:schemeClr val="tx1"/>
+        </a:solidFill>
+        <a:latin typeface="+mn-lt"/>
+        <a:ea typeface="+mn-ea"/>
+        <a:cs typeface="+mn-cs"/>
+      </a:defRPr>
+    </a:lvl8pPr>
+    <a:lvl9pPr marL="3657600" algn="l" defTabSz="914400" rtl="0" eaLnBrk="1" latinLnBrk="0" hangingPunct="1">
+      <a:defRPr sz="1200" kern="1200">
+        <a:solidFill>
+          <a:schemeClr val="tx1"/>
+        </a:solidFill>
+        <a:latin typeface="+mn-lt"/>
+        <a:ea typeface="+mn-ea"/>
+        <a:cs typeface="+mn-cs"/>
+      </a:defRPr>
+    </a:lvl9pPr>
+  </p:notesStyle>
+</p:notesMaster>
 </file>
 
 <file path=ppt/slideLayouts/slideLayout1.xml><?xml version="1.0" encoding="utf-8"?>
@@ -236,9 +593,9 @@
           <a:bodyPr/>
           <a:lstStyle/>
           <a:p>
-            <a:fld id="{7CBE0730-474B-4DF0-B76A-2AAE0F216400}" type="datetimeFigureOut">
+            <a:fld id="{050EF176-92EC-48CB-9593-8B6DE692F03F}" type="datetime1">
               <a:rPr lang="en-GB" smtClean="0"/>
-              <a:t>12/01/2022</a:t>
+              <a:t>13/01/2022</a:t>
             </a:fld>
             <a:endParaRPr lang="en-GB"/>
           </a:p>
@@ -259,6 +616,10 @@
           <a:bodyPr/>
           <a:lstStyle/>
           <a:p>
+            <a:r>
+              <a:rPr lang="de-DE"/>
+              <a:t>Projekt von Antonio Rehwinkel, 13.1.2022</a:t>
+            </a:r>
             <a:endParaRPr lang="en-GB"/>
           </a:p>
         </p:txBody>
@@ -406,9 +767,9 @@
           <a:bodyPr/>
           <a:lstStyle/>
           <a:p>
-            <a:fld id="{7CBE0730-474B-4DF0-B76A-2AAE0F216400}" type="datetimeFigureOut">
+            <a:fld id="{803BD2E3-1445-41F6-AD7C-309A0832E6E5}" type="datetime1">
               <a:rPr lang="en-GB" smtClean="0"/>
-              <a:t>12/01/2022</a:t>
+              <a:t>13/01/2022</a:t>
             </a:fld>
             <a:endParaRPr lang="en-GB"/>
           </a:p>
@@ -429,6 +790,10 @@
           <a:bodyPr/>
           <a:lstStyle/>
           <a:p>
+            <a:r>
+              <a:rPr lang="de-DE"/>
+              <a:t>Projekt von Antonio Rehwinkel, 13.1.2022</a:t>
+            </a:r>
             <a:endParaRPr lang="en-GB"/>
           </a:p>
         </p:txBody>
@@ -586,9 +951,9 @@
           <a:bodyPr/>
           <a:lstStyle/>
           <a:p>
-            <a:fld id="{7CBE0730-474B-4DF0-B76A-2AAE0F216400}" type="datetimeFigureOut">
+            <a:fld id="{755481F8-2D8F-4F2E-BE25-DEFBF71D10EF}" type="datetime1">
               <a:rPr lang="en-GB" smtClean="0"/>
-              <a:t>12/01/2022</a:t>
+              <a:t>13/01/2022</a:t>
             </a:fld>
             <a:endParaRPr lang="en-GB"/>
           </a:p>
@@ -609,6 +974,10 @@
           <a:bodyPr/>
           <a:lstStyle/>
           <a:p>
+            <a:r>
+              <a:rPr lang="de-DE"/>
+              <a:t>Projekt von Antonio Rehwinkel, 13.1.2022</a:t>
+            </a:r>
             <a:endParaRPr lang="en-GB"/>
           </a:p>
         </p:txBody>
@@ -756,9 +1125,9 @@
           <a:bodyPr/>
           <a:lstStyle/>
           <a:p>
-            <a:fld id="{7CBE0730-474B-4DF0-B76A-2AAE0F216400}" type="datetimeFigureOut">
+            <a:fld id="{DEEB21D1-7E97-4509-B2AC-0EE650A9A696}" type="datetime1">
               <a:rPr lang="en-GB" smtClean="0"/>
-              <a:t>12/01/2022</a:t>
+              <a:t>13/01/2022</a:t>
             </a:fld>
             <a:endParaRPr lang="en-GB"/>
           </a:p>
@@ -779,6 +1148,10 @@
           <a:bodyPr/>
           <a:lstStyle/>
           <a:p>
+            <a:r>
+              <a:rPr lang="de-DE"/>
+              <a:t>Projekt von Antonio Rehwinkel, 13.1.2022</a:t>
+            </a:r>
             <a:endParaRPr lang="en-GB"/>
           </a:p>
         </p:txBody>
@@ -1000,9 +1373,9 @@
           <a:bodyPr/>
           <a:lstStyle/>
           <a:p>
-            <a:fld id="{7CBE0730-474B-4DF0-B76A-2AAE0F216400}" type="datetimeFigureOut">
+            <a:fld id="{0D214A4D-9E12-4651-B869-90A796FBE93F}" type="datetime1">
               <a:rPr lang="en-GB" smtClean="0"/>
-              <a:t>12/01/2022</a:t>
+              <a:t>13/01/2022</a:t>
             </a:fld>
             <a:endParaRPr lang="en-GB"/>
           </a:p>
@@ -1023,6 +1396,10 @@
           <a:bodyPr/>
           <a:lstStyle/>
           <a:p>
+            <a:r>
+              <a:rPr lang="de-DE"/>
+              <a:t>Projekt von Antonio Rehwinkel, 13.1.2022</a:t>
+            </a:r>
             <a:endParaRPr lang="en-GB"/>
           </a:p>
         </p:txBody>
@@ -1232,9 +1609,9 @@
           <a:bodyPr/>
           <a:lstStyle/>
           <a:p>
-            <a:fld id="{7CBE0730-474B-4DF0-B76A-2AAE0F216400}" type="datetimeFigureOut">
+            <a:fld id="{402BE75C-7877-4917-9F82-486D7EAF60E1}" type="datetime1">
               <a:rPr lang="en-GB" smtClean="0"/>
-              <a:t>12/01/2022</a:t>
+              <a:t>13/01/2022</a:t>
             </a:fld>
             <a:endParaRPr lang="en-GB"/>
           </a:p>
@@ -1255,6 +1632,10 @@
           <a:bodyPr/>
           <a:lstStyle/>
           <a:p>
+            <a:r>
+              <a:rPr lang="de-DE"/>
+              <a:t>Projekt von Antonio Rehwinkel, 13.1.2022</a:t>
+            </a:r>
             <a:endParaRPr lang="en-GB"/>
           </a:p>
         </p:txBody>
@@ -1599,9 +1980,9 @@
           <a:bodyPr/>
           <a:lstStyle/>
           <a:p>
-            <a:fld id="{7CBE0730-474B-4DF0-B76A-2AAE0F216400}" type="datetimeFigureOut">
+            <a:fld id="{F9636232-B1CF-47AD-B0F4-186D17F63E31}" type="datetime1">
               <a:rPr lang="en-GB" smtClean="0"/>
-              <a:t>12/01/2022</a:t>
+              <a:t>13/01/2022</a:t>
             </a:fld>
             <a:endParaRPr lang="en-GB"/>
           </a:p>
@@ -1622,6 +2003,10 @@
           <a:bodyPr/>
           <a:lstStyle/>
           <a:p>
+            <a:r>
+              <a:rPr lang="de-DE"/>
+              <a:t>Projekt von Antonio Rehwinkel, 13.1.2022</a:t>
+            </a:r>
             <a:endParaRPr lang="en-GB"/>
           </a:p>
         </p:txBody>
@@ -1717,9 +2102,9 @@
           <a:bodyPr/>
           <a:lstStyle/>
           <a:p>
-            <a:fld id="{7CBE0730-474B-4DF0-B76A-2AAE0F216400}" type="datetimeFigureOut">
+            <a:fld id="{45F6E1F2-CB47-4CC2-8A6A-6093DA0F0DD1}" type="datetime1">
               <a:rPr lang="en-GB" smtClean="0"/>
-              <a:t>12/01/2022</a:t>
+              <a:t>13/01/2022</a:t>
             </a:fld>
             <a:endParaRPr lang="en-GB"/>
           </a:p>
@@ -1740,6 +2125,10 @@
           <a:bodyPr/>
           <a:lstStyle/>
           <a:p>
+            <a:r>
+              <a:rPr lang="de-DE"/>
+              <a:t>Projekt von Antonio Rehwinkel, 13.1.2022</a:t>
+            </a:r>
             <a:endParaRPr lang="en-GB"/>
           </a:p>
         </p:txBody>
@@ -1812,9 +2201,9 @@
           <a:bodyPr/>
           <a:lstStyle/>
           <a:p>
-            <a:fld id="{7CBE0730-474B-4DF0-B76A-2AAE0F216400}" type="datetimeFigureOut">
+            <a:fld id="{83397067-D481-45A1-B569-A68BCBA7E797}" type="datetime1">
               <a:rPr lang="en-GB" smtClean="0"/>
-              <a:t>12/01/2022</a:t>
+              <a:t>13/01/2022</a:t>
             </a:fld>
             <a:endParaRPr lang="en-GB"/>
           </a:p>
@@ -1835,6 +2224,10 @@
           <a:bodyPr/>
           <a:lstStyle/>
           <a:p>
+            <a:r>
+              <a:rPr lang="de-DE"/>
+              <a:t>Projekt von Antonio Rehwinkel, 13.1.2022</a:t>
+            </a:r>
             <a:endParaRPr lang="en-GB"/>
           </a:p>
         </p:txBody>
@@ -2089,9 +2482,9 @@
           <a:bodyPr/>
           <a:lstStyle/>
           <a:p>
-            <a:fld id="{7CBE0730-474B-4DF0-B76A-2AAE0F216400}" type="datetimeFigureOut">
+            <a:fld id="{10B2F24C-64CA-46DC-B5FF-3369A6610B23}" type="datetime1">
               <a:rPr lang="en-GB" smtClean="0"/>
-              <a:t>12/01/2022</a:t>
+              <a:t>13/01/2022</a:t>
             </a:fld>
             <a:endParaRPr lang="en-GB"/>
           </a:p>
@@ -2112,6 +2505,10 @@
           <a:bodyPr/>
           <a:lstStyle/>
           <a:p>
+            <a:r>
+              <a:rPr lang="de-DE"/>
+              <a:t>Projekt von Antonio Rehwinkel, 13.1.2022</a:t>
+            </a:r>
             <a:endParaRPr lang="en-GB"/>
           </a:p>
         </p:txBody>
@@ -2346,9 +2743,9 @@
           <a:bodyPr/>
           <a:lstStyle/>
           <a:p>
-            <a:fld id="{7CBE0730-474B-4DF0-B76A-2AAE0F216400}" type="datetimeFigureOut">
+            <a:fld id="{8E343161-F576-4F53-B94D-FF33A4880A3D}" type="datetime1">
               <a:rPr lang="en-GB" smtClean="0"/>
-              <a:t>12/01/2022</a:t>
+              <a:t>13/01/2022</a:t>
             </a:fld>
             <a:endParaRPr lang="en-GB"/>
           </a:p>
@@ -2369,6 +2766,10 @@
           <a:bodyPr/>
           <a:lstStyle/>
           <a:p>
+            <a:r>
+              <a:rPr lang="de-DE"/>
+              <a:t>Projekt von Antonio Rehwinkel, 13.1.2022</a:t>
+            </a:r>
             <a:endParaRPr lang="en-GB"/>
           </a:p>
         </p:txBody>
@@ -2559,9 +2960,9 @@
             </a:lvl1pPr>
           </a:lstStyle>
           <a:p>
-            <a:fld id="{7CBE0730-474B-4DF0-B76A-2AAE0F216400}" type="datetimeFigureOut">
+            <a:fld id="{10F6A7AA-C797-45DD-A58B-ED2305B10C79}" type="datetime1">
               <a:rPr lang="en-GB" smtClean="0"/>
-              <a:t>12/01/2022</a:t>
+              <a:t>13/01/2022</a:t>
             </a:fld>
             <a:endParaRPr lang="en-GB"/>
           </a:p>
@@ -2600,6 +3001,10 @@
             </a:lvl1pPr>
           </a:lstStyle>
           <a:p>
+            <a:r>
+              <a:rPr lang="de-DE"/>
+              <a:t>Projekt von Antonio Rehwinkel, 13.1.2022</a:t>
+            </a:r>
             <a:endParaRPr lang="en-GB"/>
           </a:p>
         </p:txBody>
@@ -2666,6 +3071,7 @@
     <p:sldLayoutId id="2147483670" r:id="rId10"/>
     <p:sldLayoutId id="2147483671" r:id="rId11"/>
   </p:sldLayoutIdLst>
+  <p:hf sldNum="0" hdr="0" dt="0"/>
   <p:txStyles>
     <p:titleStyle>
       <a:lvl1pPr algn="l" defTabSz="5039990" rtl="0" eaLnBrk="1" latinLnBrk="0" hangingPunct="1">
@@ -2984,8 +3390,8 @@
         </p:nvSpPr>
         <p:spPr>
           <a:xfrm>
-            <a:off x="2403913" y="0"/>
-            <a:ext cx="42839958" cy="4441349"/>
+            <a:off x="0" y="110073"/>
+            <a:ext cx="50367834" cy="4441349"/>
           </a:xfrm>
         </p:spPr>
         <p:txBody>
@@ -2995,7 +3401,9 @@
           <a:lstStyle/>
           <a:p>
             <a:r>
-              <a:rPr lang="en-GB" dirty="0"/>
+              <a:rPr lang="en-GB" dirty="0">
+                <a:latin typeface="+mn-lt"/>
+              </a:rPr>
               <a:t>Archer-Tracker</a:t>
             </a:r>
           </a:p>
@@ -3019,8 +3427,8 @@
         </p:nvSpPr>
         <p:spPr>
           <a:xfrm>
-            <a:off x="10972800" y="4441349"/>
-            <a:ext cx="26244504" cy="3235591"/>
+            <a:off x="0" y="4106729"/>
+            <a:ext cx="50399949" cy="3235591"/>
           </a:xfrm>
         </p:spPr>
         <p:txBody>
@@ -3059,15 +3467,148 @@
           <p:nvPr/>
         </p:nvSpPr>
         <p:spPr>
-          <a:xfrm>
-            <a:off x="2857500" y="8839200"/>
-            <a:ext cx="1928733" cy="1015663"/>
+          <a:xfrm flipH="1">
+            <a:off x="19270171" y="7819303"/>
+            <a:ext cx="11827492" cy="5632311"/>
           </a:xfrm>
           <a:prstGeom prst="rect">
             <a:avLst/>
           </a:prstGeom>
-          <a:noFill/>
         </p:spPr>
+        <p:style>
+          <a:lnRef idx="2">
+            <a:schemeClr val="dk1"/>
+          </a:lnRef>
+          <a:fillRef idx="1">
+            <a:schemeClr val="lt1"/>
+          </a:fillRef>
+          <a:effectRef idx="0">
+            <a:schemeClr val="dk1"/>
+          </a:effectRef>
+          <a:fontRef idx="minor">
+            <a:schemeClr val="dk1"/>
+          </a:fontRef>
+        </p:style>
+        <p:txBody>
+          <a:bodyPr wrap="square" rtlCol="0">
+            <a:spAutoFit/>
+          </a:bodyPr>
+          <a:lstStyle/>
+          <a:p>
+            <a:r>
+              <a:rPr lang="en-GB" sz="7200" dirty="0"/>
+              <a:t>Idee: </a:t>
+            </a:r>
+            <a:r>
+              <a:rPr lang="en-GB" sz="7200" dirty="0" err="1"/>
+              <a:t>Kostengünstiges</a:t>
+            </a:r>
+            <a:r>
+              <a:rPr lang="en-GB" sz="7200" dirty="0"/>
+              <a:t> 3D-Tracking für </a:t>
+            </a:r>
+            <a:r>
+              <a:rPr lang="en-GB" sz="7200" dirty="0" err="1"/>
+              <a:t>jeden</a:t>
+            </a:r>
+            <a:r>
+              <a:rPr lang="en-GB" sz="7200" dirty="0"/>
+              <a:t> </a:t>
+            </a:r>
+            <a:r>
+              <a:rPr lang="en-GB" sz="7200" dirty="0" err="1"/>
+              <a:t>bereit</a:t>
+            </a:r>
+            <a:r>
+              <a:rPr lang="en-GB" sz="7200" dirty="0"/>
+              <a:t> </a:t>
+            </a:r>
+            <a:r>
+              <a:rPr lang="en-GB" sz="7200" dirty="0" err="1"/>
+              <a:t>zu</a:t>
+            </a:r>
+            <a:r>
+              <a:rPr lang="en-GB" sz="7200" dirty="0"/>
+              <a:t> </a:t>
+            </a:r>
+            <a:r>
+              <a:rPr lang="en-GB" sz="7200" dirty="0" err="1"/>
+              <a:t>stellen</a:t>
+            </a:r>
+            <a:r>
+              <a:rPr lang="en-GB" sz="7200" dirty="0"/>
+              <a:t>, das </a:t>
+            </a:r>
+            <a:r>
+              <a:rPr lang="en-GB" sz="7200" dirty="0" err="1"/>
+              <a:t>Augenmerk</a:t>
+            </a:r>
+            <a:r>
+              <a:rPr lang="en-GB" sz="7200" dirty="0"/>
+              <a:t> lag </a:t>
+            </a:r>
+            <a:r>
+              <a:rPr lang="en-GB" sz="7200" dirty="0" err="1"/>
+              <a:t>hierbei</a:t>
+            </a:r>
+            <a:r>
+              <a:rPr lang="en-GB" sz="7200" dirty="0"/>
+              <a:t> auf </a:t>
+            </a:r>
+            <a:r>
+              <a:rPr lang="en-GB" sz="7200" dirty="0" err="1"/>
+              <a:t>dem</a:t>
+            </a:r>
+            <a:r>
+              <a:rPr lang="en-GB" sz="7200" dirty="0"/>
+              <a:t> Tracking von </a:t>
+            </a:r>
+            <a:r>
+              <a:rPr lang="en-GB" sz="7200" dirty="0" err="1"/>
+              <a:t>Bogenschützen</a:t>
+            </a:r>
+            <a:r>
+              <a:rPr lang="en-GB" sz="7200" dirty="0"/>
+              <a:t> </a:t>
+            </a:r>
+          </a:p>
+        </p:txBody>
+      </p:sp>
+      <p:sp>
+        <p:nvSpPr>
+          <p:cNvPr id="5" name="Textfeld 4">
+            <a:extLst>
+              <a:ext uri="{FF2B5EF4-FFF2-40B4-BE49-F238E27FC236}">
+                <a16:creationId xmlns:a16="http://schemas.microsoft.com/office/drawing/2014/main" id="{0D90502C-71CA-487C-9F4F-242786220D3A}"/>
+              </a:ext>
+            </a:extLst>
+          </p:cNvPr>
+          <p:cNvSpPr txBox="1"/>
+          <p:nvPr/>
+        </p:nvSpPr>
+        <p:spPr>
+          <a:xfrm>
+            <a:off x="292838" y="17789707"/>
+            <a:ext cx="8097281" cy="1200329"/>
+          </a:xfrm>
+          <a:prstGeom prst="rect">
+            <a:avLst/>
+          </a:prstGeom>
+        </p:spPr>
+        <p:style>
+          <a:lnRef idx="2">
+            <a:schemeClr val="dk1"/>
+          </a:lnRef>
+          <a:fillRef idx="1">
+            <a:schemeClr val="lt1"/>
+          </a:fillRef>
+          <a:effectRef idx="0">
+            <a:schemeClr val="dk1"/>
+          </a:effectRef>
+          <a:fontRef idx="minor">
+            <a:schemeClr val="dk1"/>
+          </a:fontRef>
+        </p:style>
         <p:txBody>
           <a:bodyPr wrap="none" rtlCol="0">
             <a:spAutoFit/>
@@ -3075,14 +3616,1491 @@
           <a:lstStyle/>
           <a:p>
             <a:r>
-              <a:rPr lang="en-GB" sz="6000"/>
-              <a:t>Idee:</a:t>
-            </a:r>
-            <a:r>
-              <a:rPr lang="en-GB" sz="6000" dirty="0"/>
-              <a:t> </a:t>
-            </a:r>
-            <a:endParaRPr lang="en-GB" sz="6000"/>
+              <a:rPr lang="de-DE" sz="7200" dirty="0"/>
+              <a:t>Arduino Nano 33 BLE</a:t>
+            </a:r>
+          </a:p>
+        </p:txBody>
+      </p:sp>
+      <p:sp>
+        <p:nvSpPr>
+          <p:cNvPr id="6" name="Textfeld 5">
+            <a:extLst>
+              <a:ext uri="{FF2B5EF4-FFF2-40B4-BE49-F238E27FC236}">
+                <a16:creationId xmlns:a16="http://schemas.microsoft.com/office/drawing/2014/main" id="{35B37ED4-DDF3-4F7E-B694-F2352166D5BA}"/>
+              </a:ext>
+            </a:extLst>
+          </p:cNvPr>
+          <p:cNvSpPr txBox="1"/>
+          <p:nvPr/>
+        </p:nvSpPr>
+        <p:spPr>
+          <a:xfrm>
+            <a:off x="3817936" y="12746170"/>
+            <a:ext cx="1047082" cy="1015663"/>
+          </a:xfrm>
+          <a:prstGeom prst="rect">
+            <a:avLst/>
+          </a:prstGeom>
+        </p:spPr>
+        <p:style>
+          <a:lnRef idx="0">
+            <a:schemeClr val="accent3"/>
+          </a:lnRef>
+          <a:fillRef idx="3">
+            <a:schemeClr val="accent3"/>
+          </a:fillRef>
+          <a:effectRef idx="3">
+            <a:schemeClr val="accent3"/>
+          </a:effectRef>
+          <a:fontRef idx="minor">
+            <a:schemeClr val="lt1"/>
+          </a:fontRef>
+        </p:style>
+        <p:txBody>
+          <a:bodyPr wrap="none" rtlCol="0">
+            <a:spAutoFit/>
+          </a:bodyPr>
+          <a:lstStyle/>
+          <a:p>
+            <a:r>
+              <a:rPr lang="de-DE" sz="6000" dirty="0"/>
+              <a:t>I²C</a:t>
+            </a:r>
+          </a:p>
+        </p:txBody>
+      </p:sp>
+      <p:sp>
+        <p:nvSpPr>
+          <p:cNvPr id="7" name="Textfeld 6">
+            <a:extLst>
+              <a:ext uri="{FF2B5EF4-FFF2-40B4-BE49-F238E27FC236}">
+                <a16:creationId xmlns:a16="http://schemas.microsoft.com/office/drawing/2014/main" id="{67EE5D6B-8D69-404F-8ADA-635758F07AAF}"/>
+              </a:ext>
+            </a:extLst>
+          </p:cNvPr>
+          <p:cNvSpPr txBox="1"/>
+          <p:nvPr/>
+        </p:nvSpPr>
+        <p:spPr>
+          <a:xfrm>
+            <a:off x="2695834" y="10127628"/>
+            <a:ext cx="3291286" cy="1015663"/>
+          </a:xfrm>
+          <a:prstGeom prst="rect">
+            <a:avLst/>
+          </a:prstGeom>
+        </p:spPr>
+        <p:style>
+          <a:lnRef idx="2">
+            <a:schemeClr val="dk1"/>
+          </a:lnRef>
+          <a:fillRef idx="1">
+            <a:schemeClr val="lt1"/>
+          </a:fillRef>
+          <a:effectRef idx="0">
+            <a:schemeClr val="dk1"/>
+          </a:effectRef>
+          <a:fontRef idx="minor">
+            <a:schemeClr val="dk1"/>
+          </a:fontRef>
+        </p:style>
+        <p:txBody>
+          <a:bodyPr wrap="none" rtlCol="0">
+            <a:spAutoFit/>
+          </a:bodyPr>
+          <a:lstStyle/>
+          <a:p>
+            <a:r>
+              <a:rPr lang="de-DE" sz="6000" dirty="0"/>
+              <a:t>MPU9250</a:t>
+            </a:r>
+          </a:p>
+        </p:txBody>
+      </p:sp>
+      <p:sp>
+        <p:nvSpPr>
+          <p:cNvPr id="8" name="Textfeld 7">
+            <a:extLst>
+              <a:ext uri="{FF2B5EF4-FFF2-40B4-BE49-F238E27FC236}">
+                <a16:creationId xmlns:a16="http://schemas.microsoft.com/office/drawing/2014/main" id="{5BFC7B19-3287-4138-B810-1C4E97600853}"/>
+              </a:ext>
+            </a:extLst>
+          </p:cNvPr>
+          <p:cNvSpPr txBox="1"/>
+          <p:nvPr/>
+        </p:nvSpPr>
+        <p:spPr>
+          <a:xfrm>
+            <a:off x="3690498" y="21231900"/>
+            <a:ext cx="1301959" cy="1015663"/>
+          </a:xfrm>
+          <a:prstGeom prst="rect">
+            <a:avLst/>
+          </a:prstGeom>
+        </p:spPr>
+        <p:style>
+          <a:lnRef idx="0">
+            <a:schemeClr val="accent3"/>
+          </a:lnRef>
+          <a:fillRef idx="3">
+            <a:schemeClr val="accent3"/>
+          </a:fillRef>
+          <a:effectRef idx="3">
+            <a:schemeClr val="accent3"/>
+          </a:effectRef>
+          <a:fontRef idx="minor">
+            <a:schemeClr val="lt1"/>
+          </a:fontRef>
+        </p:style>
+        <p:txBody>
+          <a:bodyPr wrap="none" rtlCol="0">
+            <a:spAutoFit/>
+          </a:bodyPr>
+          <a:lstStyle/>
+          <a:p>
+            <a:r>
+              <a:rPr lang="de-DE" sz="6000" dirty="0"/>
+              <a:t>BLE</a:t>
+            </a:r>
+          </a:p>
+        </p:txBody>
+      </p:sp>
+      <p:sp>
+        <p:nvSpPr>
+          <p:cNvPr id="9" name="Textfeld 8">
+            <a:extLst>
+              <a:ext uri="{FF2B5EF4-FFF2-40B4-BE49-F238E27FC236}">
+                <a16:creationId xmlns:a16="http://schemas.microsoft.com/office/drawing/2014/main" id="{D8B7896F-12D6-41B4-90F2-0002FF22222D}"/>
+              </a:ext>
+            </a:extLst>
+          </p:cNvPr>
+          <p:cNvSpPr txBox="1"/>
+          <p:nvPr/>
+        </p:nvSpPr>
+        <p:spPr>
+          <a:xfrm>
+            <a:off x="2317526" y="26520754"/>
+            <a:ext cx="4047903" cy="1015663"/>
+          </a:xfrm>
+          <a:prstGeom prst="rect">
+            <a:avLst/>
+          </a:prstGeom>
+        </p:spPr>
+        <p:style>
+          <a:lnRef idx="2">
+            <a:schemeClr val="dk1"/>
+          </a:lnRef>
+          <a:fillRef idx="1">
+            <a:schemeClr val="lt1"/>
+          </a:fillRef>
+          <a:effectRef idx="0">
+            <a:schemeClr val="dk1"/>
+          </a:effectRef>
+          <a:fontRef idx="minor">
+            <a:schemeClr val="dk1"/>
+          </a:fontRef>
+        </p:style>
+        <p:txBody>
+          <a:bodyPr wrap="none" rtlCol="0">
+            <a:spAutoFit/>
+          </a:bodyPr>
+          <a:lstStyle/>
+          <a:p>
+            <a:r>
+              <a:rPr lang="de-DE" sz="6000" dirty="0"/>
+              <a:t>Smartphone</a:t>
+            </a:r>
+          </a:p>
+        </p:txBody>
+      </p:sp>
+      <p:cxnSp>
+        <p:nvCxnSpPr>
+          <p:cNvPr id="11" name="Gerade Verbindung mit Pfeil 10">
+            <a:extLst>
+              <a:ext uri="{FF2B5EF4-FFF2-40B4-BE49-F238E27FC236}">
+                <a16:creationId xmlns:a16="http://schemas.microsoft.com/office/drawing/2014/main" id="{2F3C8193-8CF2-429F-BE94-9329054B19C5}"/>
+              </a:ext>
+            </a:extLst>
+          </p:cNvPr>
+          <p:cNvCxnSpPr>
+            <a:cxnSpLocks/>
+            <a:stCxn id="5" idx="2"/>
+            <a:endCxn id="8" idx="0"/>
+          </p:cNvCxnSpPr>
+          <p:nvPr/>
+        </p:nvCxnSpPr>
+        <p:spPr>
+          <a:xfrm flipH="1">
+            <a:off x="4341478" y="18990036"/>
+            <a:ext cx="1" cy="2241864"/>
+          </a:xfrm>
+          <a:prstGeom prst="straightConnector1">
+            <a:avLst/>
+          </a:prstGeom>
+          <a:ln>
+            <a:tailEnd type="triangle"/>
+          </a:ln>
+        </p:spPr>
+        <p:style>
+          <a:lnRef idx="1">
+            <a:schemeClr val="accent1"/>
+          </a:lnRef>
+          <a:fillRef idx="0">
+            <a:schemeClr val="accent1"/>
+          </a:fillRef>
+          <a:effectRef idx="0">
+            <a:schemeClr val="accent1"/>
+          </a:effectRef>
+          <a:fontRef idx="minor">
+            <a:schemeClr val="tx1"/>
+          </a:fontRef>
+        </p:style>
+      </p:cxnSp>
+      <p:cxnSp>
+        <p:nvCxnSpPr>
+          <p:cNvPr id="13" name="Gerade Verbindung mit Pfeil 12">
+            <a:extLst>
+              <a:ext uri="{FF2B5EF4-FFF2-40B4-BE49-F238E27FC236}">
+                <a16:creationId xmlns:a16="http://schemas.microsoft.com/office/drawing/2014/main" id="{E78A724A-A758-448A-9D58-1EA90E77C020}"/>
+              </a:ext>
+            </a:extLst>
+          </p:cNvPr>
+          <p:cNvCxnSpPr>
+            <a:cxnSpLocks/>
+            <a:stCxn id="8" idx="2"/>
+            <a:endCxn id="9" idx="0"/>
+          </p:cNvCxnSpPr>
+          <p:nvPr/>
+        </p:nvCxnSpPr>
+        <p:spPr>
+          <a:xfrm>
+            <a:off x="4341478" y="22247563"/>
+            <a:ext cx="0" cy="4273191"/>
+          </a:xfrm>
+          <a:prstGeom prst="straightConnector1">
+            <a:avLst/>
+          </a:prstGeom>
+          <a:ln>
+            <a:tailEnd type="triangle"/>
+          </a:ln>
+        </p:spPr>
+        <p:style>
+          <a:lnRef idx="1">
+            <a:schemeClr val="accent1"/>
+          </a:lnRef>
+          <a:fillRef idx="0">
+            <a:schemeClr val="accent1"/>
+          </a:fillRef>
+          <a:effectRef idx="0">
+            <a:schemeClr val="accent1"/>
+          </a:effectRef>
+          <a:fontRef idx="minor">
+            <a:schemeClr val="tx1"/>
+          </a:fontRef>
+        </p:style>
+      </p:cxnSp>
+      <p:cxnSp>
+        <p:nvCxnSpPr>
+          <p:cNvPr id="15" name="Gerade Verbindung mit Pfeil 14">
+            <a:extLst>
+              <a:ext uri="{FF2B5EF4-FFF2-40B4-BE49-F238E27FC236}">
+                <a16:creationId xmlns:a16="http://schemas.microsoft.com/office/drawing/2014/main" id="{B17F3F13-E725-427F-A3B6-F939F08FB7A0}"/>
+              </a:ext>
+            </a:extLst>
+          </p:cNvPr>
+          <p:cNvCxnSpPr>
+            <a:cxnSpLocks/>
+            <a:stCxn id="6" idx="2"/>
+            <a:endCxn id="5" idx="0"/>
+          </p:cNvCxnSpPr>
+          <p:nvPr/>
+        </p:nvCxnSpPr>
+        <p:spPr>
+          <a:xfrm>
+            <a:off x="4341477" y="13761833"/>
+            <a:ext cx="2" cy="4027874"/>
+          </a:xfrm>
+          <a:prstGeom prst="straightConnector1">
+            <a:avLst/>
+          </a:prstGeom>
+          <a:ln>
+            <a:tailEnd type="triangle"/>
+          </a:ln>
+        </p:spPr>
+        <p:style>
+          <a:lnRef idx="1">
+            <a:schemeClr val="accent1"/>
+          </a:lnRef>
+          <a:fillRef idx="0">
+            <a:schemeClr val="accent1"/>
+          </a:fillRef>
+          <a:effectRef idx="0">
+            <a:schemeClr val="accent1"/>
+          </a:effectRef>
+          <a:fontRef idx="minor">
+            <a:schemeClr val="tx1"/>
+          </a:fontRef>
+        </p:style>
+      </p:cxnSp>
+      <p:cxnSp>
+        <p:nvCxnSpPr>
+          <p:cNvPr id="17" name="Gerade Verbindung mit Pfeil 16">
+            <a:extLst>
+              <a:ext uri="{FF2B5EF4-FFF2-40B4-BE49-F238E27FC236}">
+                <a16:creationId xmlns:a16="http://schemas.microsoft.com/office/drawing/2014/main" id="{DE1CE731-FDB2-4E97-892E-8ED606B90F0C}"/>
+              </a:ext>
+            </a:extLst>
+          </p:cNvPr>
+          <p:cNvCxnSpPr>
+            <a:cxnSpLocks/>
+            <a:stCxn id="7" idx="2"/>
+            <a:endCxn id="6" idx="0"/>
+          </p:cNvCxnSpPr>
+          <p:nvPr/>
+        </p:nvCxnSpPr>
+        <p:spPr>
+          <a:xfrm>
+            <a:off x="4341477" y="11143291"/>
+            <a:ext cx="0" cy="1602879"/>
+          </a:xfrm>
+          <a:prstGeom prst="straightConnector1">
+            <a:avLst/>
+          </a:prstGeom>
+          <a:ln>
+            <a:tailEnd type="triangle"/>
+          </a:ln>
+        </p:spPr>
+        <p:style>
+          <a:lnRef idx="1">
+            <a:schemeClr val="accent1"/>
+          </a:lnRef>
+          <a:fillRef idx="0">
+            <a:schemeClr val="accent1"/>
+          </a:fillRef>
+          <a:effectRef idx="0">
+            <a:schemeClr val="accent1"/>
+          </a:effectRef>
+          <a:fontRef idx="minor">
+            <a:schemeClr val="tx1"/>
+          </a:fontRef>
+        </p:style>
+      </p:cxnSp>
+      <p:sp>
+        <p:nvSpPr>
+          <p:cNvPr id="19" name="Textfeld 18">
+            <a:extLst>
+              <a:ext uri="{FF2B5EF4-FFF2-40B4-BE49-F238E27FC236}">
+                <a16:creationId xmlns:a16="http://schemas.microsoft.com/office/drawing/2014/main" id="{1E562C57-8FEF-4C3C-A795-5FCAF7B5C4C1}"/>
+              </a:ext>
+            </a:extLst>
+          </p:cNvPr>
+          <p:cNvSpPr txBox="1"/>
+          <p:nvPr/>
+        </p:nvSpPr>
+        <p:spPr>
+          <a:xfrm>
+            <a:off x="7266083" y="10208976"/>
+            <a:ext cx="10548529" cy="4708981"/>
+          </a:xfrm>
+          <a:prstGeom prst="rect">
+            <a:avLst/>
+          </a:prstGeom>
+        </p:spPr>
+        <p:style>
+          <a:lnRef idx="2">
+            <a:schemeClr val="accent3"/>
+          </a:lnRef>
+          <a:fillRef idx="1">
+            <a:schemeClr val="lt1"/>
+          </a:fillRef>
+          <a:effectRef idx="0">
+            <a:schemeClr val="accent3"/>
+          </a:effectRef>
+          <a:fontRef idx="minor">
+            <a:schemeClr val="dk1"/>
+          </a:fontRef>
+        </p:style>
+        <p:txBody>
+          <a:bodyPr wrap="none" rtlCol="0">
+            <a:spAutoFit/>
+          </a:bodyPr>
+          <a:lstStyle/>
+          <a:p>
+            <a:r>
+              <a:rPr lang="de-DE" sz="6000" dirty="0"/>
+              <a:t>Multi-Chip | 3 Achsen pro Sensor</a:t>
+            </a:r>
+          </a:p>
+          <a:p>
+            <a:pPr marL="857250" indent="-857250">
+              <a:buFont typeface="Symbol" panose="05050102010706020507" pitchFamily="18" charset="2"/>
+              <a:buChar char="-"/>
+            </a:pPr>
+            <a:r>
+              <a:rPr lang="de-DE" sz="6000" dirty="0"/>
+              <a:t>Beschleunigungssensor</a:t>
+            </a:r>
+          </a:p>
+          <a:p>
+            <a:pPr marL="857250" indent="-857250">
+              <a:buFont typeface="Symbol" panose="05050102010706020507" pitchFamily="18" charset="2"/>
+              <a:buChar char="-"/>
+            </a:pPr>
+            <a:r>
+              <a:rPr lang="de-DE" sz="6000" dirty="0"/>
+              <a:t>Gyroskop</a:t>
+            </a:r>
+          </a:p>
+          <a:p>
+            <a:pPr marL="857250" indent="-857250">
+              <a:buFont typeface="Symbol" panose="05050102010706020507" pitchFamily="18" charset="2"/>
+              <a:buChar char="-"/>
+            </a:pPr>
+            <a:r>
+              <a:rPr lang="de-DE" sz="6000" dirty="0"/>
+              <a:t>Magnetometer</a:t>
+            </a:r>
+          </a:p>
+          <a:p>
+            <a:pPr marL="857250" indent="-857250">
+              <a:buFont typeface="Symbol" panose="05050102010706020507" pitchFamily="18" charset="2"/>
+              <a:buChar char="-"/>
+            </a:pPr>
+            <a:r>
+              <a:rPr lang="de-DE" sz="6000" dirty="0"/>
+              <a:t>Digital Motion </a:t>
+            </a:r>
+            <a:r>
+              <a:rPr lang="de-DE" sz="6000" dirty="0" err="1"/>
+              <a:t>Processor</a:t>
+            </a:r>
+            <a:endParaRPr lang="de-DE" sz="6000" dirty="0"/>
+          </a:p>
+        </p:txBody>
+      </p:sp>
+      <p:sp>
+        <p:nvSpPr>
+          <p:cNvPr id="20" name="Textfeld 19">
+            <a:extLst>
+              <a:ext uri="{FF2B5EF4-FFF2-40B4-BE49-F238E27FC236}">
+                <a16:creationId xmlns:a16="http://schemas.microsoft.com/office/drawing/2014/main" id="{77F3325C-042A-4C7D-B1FC-3E7CA682A69F}"/>
+              </a:ext>
+            </a:extLst>
+          </p:cNvPr>
+          <p:cNvSpPr txBox="1"/>
+          <p:nvPr/>
+        </p:nvSpPr>
+        <p:spPr>
+          <a:xfrm>
+            <a:off x="651909" y="12688516"/>
+            <a:ext cx="2949846" cy="1200329"/>
+          </a:xfrm>
+          <a:prstGeom prst="rect">
+            <a:avLst/>
+          </a:prstGeom>
+        </p:spPr>
+        <p:style>
+          <a:lnRef idx="2">
+            <a:schemeClr val="accent3"/>
+          </a:lnRef>
+          <a:fillRef idx="1">
+            <a:schemeClr val="lt1"/>
+          </a:fillRef>
+          <a:effectRef idx="0">
+            <a:schemeClr val="accent3"/>
+          </a:effectRef>
+          <a:fontRef idx="minor">
+            <a:schemeClr val="dk1"/>
+          </a:fontRef>
+        </p:style>
+        <p:txBody>
+          <a:bodyPr wrap="none" rtlCol="0">
+            <a:spAutoFit/>
+          </a:bodyPr>
+          <a:lstStyle/>
+          <a:p>
+            <a:r>
+              <a:rPr lang="de-DE" sz="7200" dirty="0"/>
+              <a:t>400kHz</a:t>
+            </a:r>
+          </a:p>
+        </p:txBody>
+      </p:sp>
+      <p:sp>
+        <p:nvSpPr>
+          <p:cNvPr id="21" name="Textfeld 20">
+            <a:extLst>
+              <a:ext uri="{FF2B5EF4-FFF2-40B4-BE49-F238E27FC236}">
+                <a16:creationId xmlns:a16="http://schemas.microsoft.com/office/drawing/2014/main" id="{B089B920-32C9-489C-B15C-BA6CA5620AB5}"/>
+              </a:ext>
+            </a:extLst>
+          </p:cNvPr>
+          <p:cNvSpPr txBox="1"/>
+          <p:nvPr/>
+        </p:nvSpPr>
+        <p:spPr>
+          <a:xfrm>
+            <a:off x="9041099" y="16152777"/>
+            <a:ext cx="8754891" cy="3785652"/>
+          </a:xfrm>
+          <a:prstGeom prst="rect">
+            <a:avLst/>
+          </a:prstGeom>
+        </p:spPr>
+        <p:style>
+          <a:lnRef idx="2">
+            <a:schemeClr val="accent3"/>
+          </a:lnRef>
+          <a:fillRef idx="1">
+            <a:schemeClr val="lt1"/>
+          </a:fillRef>
+          <a:effectRef idx="0">
+            <a:schemeClr val="accent3"/>
+          </a:effectRef>
+          <a:fontRef idx="minor">
+            <a:schemeClr val="dk1"/>
+          </a:fontRef>
+        </p:style>
+        <p:txBody>
+          <a:bodyPr wrap="square" rtlCol="0">
+            <a:spAutoFit/>
+          </a:bodyPr>
+          <a:lstStyle/>
+          <a:p>
+            <a:pPr marL="857250" indent="-857250">
+              <a:buFont typeface="Symbol" panose="05050102010706020507" pitchFamily="18" charset="2"/>
+              <a:buChar char="-"/>
+            </a:pPr>
+            <a:r>
+              <a:rPr lang="de-DE" sz="6000" dirty="0"/>
+              <a:t>BLE-Chip eingebaut</a:t>
+            </a:r>
+          </a:p>
+          <a:p>
+            <a:pPr marL="857250" indent="-857250">
+              <a:buFont typeface="Symbol" panose="05050102010706020507" pitchFamily="18" charset="2"/>
+              <a:buChar char="-"/>
+            </a:pPr>
+            <a:r>
+              <a:rPr lang="de-DE" sz="6000" dirty="0"/>
+              <a:t>Rechenleistung für </a:t>
+            </a:r>
+            <a:r>
+              <a:rPr lang="de-DE" sz="6000" dirty="0" err="1"/>
+              <a:t>Machine</a:t>
+            </a:r>
+            <a:r>
+              <a:rPr lang="de-DE" sz="6000" dirty="0"/>
+              <a:t>-Learning</a:t>
+            </a:r>
+          </a:p>
+          <a:p>
+            <a:pPr marL="857250" indent="-857250">
+              <a:buFont typeface="Symbol" panose="05050102010706020507" pitchFamily="18" charset="2"/>
+              <a:buChar char="-"/>
+            </a:pPr>
+            <a:r>
+              <a:rPr lang="de-DE" sz="6000" dirty="0"/>
+              <a:t>Klein + leicht</a:t>
+            </a:r>
+          </a:p>
+        </p:txBody>
+      </p:sp>
+      <p:sp>
+        <p:nvSpPr>
+          <p:cNvPr id="22" name="Textfeld 21">
+            <a:extLst>
+              <a:ext uri="{FF2B5EF4-FFF2-40B4-BE49-F238E27FC236}">
+                <a16:creationId xmlns:a16="http://schemas.microsoft.com/office/drawing/2014/main" id="{2EF39302-6BFF-4F7E-A552-96126235AED5}"/>
+              </a:ext>
+            </a:extLst>
+          </p:cNvPr>
+          <p:cNvSpPr txBox="1"/>
+          <p:nvPr/>
+        </p:nvSpPr>
+        <p:spPr>
+          <a:xfrm>
+            <a:off x="7359180" y="20887920"/>
+            <a:ext cx="10372904" cy="4708981"/>
+          </a:xfrm>
+          <a:prstGeom prst="rect">
+            <a:avLst/>
+          </a:prstGeom>
+        </p:spPr>
+        <p:style>
+          <a:lnRef idx="2">
+            <a:schemeClr val="accent3"/>
+          </a:lnRef>
+          <a:fillRef idx="1">
+            <a:schemeClr val="lt1"/>
+          </a:fillRef>
+          <a:effectRef idx="0">
+            <a:schemeClr val="accent3"/>
+          </a:effectRef>
+          <a:fontRef idx="minor">
+            <a:schemeClr val="dk1"/>
+          </a:fontRef>
+        </p:style>
+        <p:txBody>
+          <a:bodyPr wrap="none" rtlCol="0">
+            <a:spAutoFit/>
+          </a:bodyPr>
+          <a:lstStyle/>
+          <a:p>
+            <a:pPr marL="857250" indent="-857250">
+              <a:buFont typeface="Symbol" panose="05050102010706020507" pitchFamily="18" charset="2"/>
+              <a:buChar char="-"/>
+            </a:pPr>
+            <a:r>
+              <a:rPr lang="de-DE" sz="6000" dirty="0"/>
+              <a:t>50Hz Übertragung</a:t>
+            </a:r>
+          </a:p>
+          <a:p>
+            <a:pPr marL="857250" indent="-857250">
+              <a:buFont typeface="Symbol" panose="05050102010706020507" pitchFamily="18" charset="2"/>
+              <a:buChar char="-"/>
+            </a:pPr>
+            <a:r>
+              <a:rPr lang="de-DE" sz="6000" dirty="0"/>
+              <a:t>Eine </a:t>
+            </a:r>
+            <a:r>
+              <a:rPr lang="de-DE" sz="6000" i="1" dirty="0" err="1"/>
+              <a:t>Characteristic</a:t>
+            </a:r>
+            <a:r>
+              <a:rPr lang="de-DE" sz="6000" dirty="0"/>
+              <a:t> pro Sensor</a:t>
+            </a:r>
+          </a:p>
+          <a:p>
+            <a:pPr marL="857250" indent="-857250">
+              <a:buFont typeface="Symbol" panose="05050102010706020507" pitchFamily="18" charset="2"/>
+              <a:buChar char="-"/>
+            </a:pPr>
+            <a:r>
+              <a:rPr lang="de-DE" sz="6000" dirty="0"/>
+              <a:t>Geringer Stromverbrauch</a:t>
+            </a:r>
+          </a:p>
+          <a:p>
+            <a:pPr marL="857250" indent="-857250">
+              <a:buFont typeface="Symbol" panose="05050102010706020507" pitchFamily="18" charset="2"/>
+              <a:buChar char="-"/>
+            </a:pPr>
+            <a:r>
+              <a:rPr lang="de-DE" sz="6000" dirty="0"/>
+              <a:t>Hohe Datenrate</a:t>
+            </a:r>
+          </a:p>
+          <a:p>
+            <a:pPr marL="857250" indent="-857250">
+              <a:buFont typeface="Symbol" panose="05050102010706020507" pitchFamily="18" charset="2"/>
+              <a:buChar char="-"/>
+            </a:pPr>
+            <a:r>
+              <a:rPr lang="de-DE" sz="6000" dirty="0"/>
+              <a:t>Starnetwork möglich</a:t>
+            </a:r>
+          </a:p>
+        </p:txBody>
+      </p:sp>
+      <p:sp>
+        <p:nvSpPr>
+          <p:cNvPr id="23" name="Textfeld 22">
+            <a:extLst>
+              <a:ext uri="{FF2B5EF4-FFF2-40B4-BE49-F238E27FC236}">
+                <a16:creationId xmlns:a16="http://schemas.microsoft.com/office/drawing/2014/main" id="{4F1F7D01-106D-4192-B325-74BBD5FE7EC4}"/>
+              </a:ext>
+            </a:extLst>
+          </p:cNvPr>
+          <p:cNvSpPr txBox="1"/>
+          <p:nvPr/>
+        </p:nvSpPr>
+        <p:spPr>
+          <a:xfrm>
+            <a:off x="662072" y="28468651"/>
+            <a:ext cx="8579091" cy="2308324"/>
+          </a:xfrm>
+          <a:prstGeom prst="rect">
+            <a:avLst/>
+          </a:prstGeom>
+        </p:spPr>
+        <p:style>
+          <a:lnRef idx="2">
+            <a:schemeClr val="accent3"/>
+          </a:lnRef>
+          <a:fillRef idx="1">
+            <a:schemeClr val="lt1"/>
+          </a:fillRef>
+          <a:effectRef idx="0">
+            <a:schemeClr val="accent3"/>
+          </a:effectRef>
+          <a:fontRef idx="minor">
+            <a:schemeClr val="dk1"/>
+          </a:fontRef>
+        </p:style>
+        <p:txBody>
+          <a:bodyPr wrap="square" rtlCol="0">
+            <a:spAutoFit/>
+          </a:bodyPr>
+          <a:lstStyle/>
+          <a:p>
+            <a:r>
+              <a:rPr lang="de-DE" sz="7200" dirty="0"/>
+              <a:t>Anzeige der Daten und Auswertung</a:t>
+            </a:r>
+          </a:p>
+        </p:txBody>
+      </p:sp>
+      <p:pic>
+        <p:nvPicPr>
+          <p:cNvPr id="25" name="Grafik 24" descr="Ein Bild, das Text enthält.&#10;&#10;Automatisch generierte Beschreibung">
+            <a:extLst>
+              <a:ext uri="{FF2B5EF4-FFF2-40B4-BE49-F238E27FC236}">
+                <a16:creationId xmlns:a16="http://schemas.microsoft.com/office/drawing/2014/main" id="{E0888331-FE23-4679-AB45-641EEB6FA7B6}"/>
+              </a:ext>
+            </a:extLst>
+          </p:cNvPr>
+          <p:cNvPicPr>
+            <a:picLocks noChangeAspect="1"/>
+          </p:cNvPicPr>
+          <p:nvPr/>
+        </p:nvPicPr>
+        <p:blipFill>
+          <a:blip r:embed="rId2">
+            <a:extLst>
+              <a:ext uri="{28A0092B-C50C-407E-A947-70E740481C1C}">
+                <a14:useLocalDpi xmlns:a14="http://schemas.microsoft.com/office/drawing/2010/main" val="0"/>
+              </a:ext>
+            </a:extLst>
+          </a:blip>
+          <a:stretch>
+            <a:fillRect/>
+          </a:stretch>
+        </p:blipFill>
+        <p:spPr>
+          <a:xfrm>
+            <a:off x="10348579" y="26520754"/>
+            <a:ext cx="6681023" cy="14475550"/>
+          </a:xfrm>
+          <a:prstGeom prst="rect">
+            <a:avLst/>
+          </a:prstGeom>
+          <a:solidFill>
+            <a:srgbClr val="FFFFFF">
+              <a:shade val="85000"/>
+            </a:srgbClr>
+          </a:solidFill>
+          <a:ln w="88900" cap="sq">
+            <a:solidFill>
+              <a:srgbClr val="FFFFFF"/>
+            </a:solidFill>
+            <a:miter lim="800000"/>
+          </a:ln>
+          <a:effectLst>
+            <a:outerShdw blurRad="55000" dist="18000" dir="5400000" algn="tl" rotWithShape="0">
+              <a:srgbClr val="000000">
+                <a:alpha val="40000"/>
+              </a:srgbClr>
+            </a:outerShdw>
+          </a:effectLst>
+          <a:scene3d>
+            <a:camera prst="orthographicFront"/>
+            <a:lightRig rig="twoPt" dir="t">
+              <a:rot lat="0" lon="0" rev="7200000"/>
+            </a:lightRig>
+          </a:scene3d>
+          <a:sp3d>
+            <a:bevelT w="25400" h="19050"/>
+            <a:contourClr>
+              <a:srgbClr val="FFFFFF"/>
+            </a:contourClr>
+          </a:sp3d>
+        </p:spPr>
+      </p:pic>
+      <p:pic>
+        <p:nvPicPr>
+          <p:cNvPr id="27" name="Grafik 26" descr="Ein Bild, das Text enthält.&#10;&#10;Automatisch generierte Beschreibung">
+            <a:extLst>
+              <a:ext uri="{FF2B5EF4-FFF2-40B4-BE49-F238E27FC236}">
+                <a16:creationId xmlns:a16="http://schemas.microsoft.com/office/drawing/2014/main" id="{014F9DC7-AADA-4A9A-9BB3-A05C5CE57071}"/>
+              </a:ext>
+            </a:extLst>
+          </p:cNvPr>
+          <p:cNvPicPr>
+            <a:picLocks noChangeAspect="1"/>
+          </p:cNvPicPr>
+          <p:nvPr/>
+        </p:nvPicPr>
+        <p:blipFill>
+          <a:blip r:embed="rId3">
+            <a:extLst>
+              <a:ext uri="{28A0092B-C50C-407E-A947-70E740481C1C}">
+                <a14:useLocalDpi xmlns:a14="http://schemas.microsoft.com/office/drawing/2010/main" val="0"/>
+              </a:ext>
+            </a:extLst>
+          </a:blip>
+          <a:stretch>
+            <a:fillRect/>
+          </a:stretch>
+        </p:blipFill>
+        <p:spPr>
+          <a:xfrm flipH="1">
+            <a:off x="33709546" y="7721172"/>
+            <a:ext cx="13994570" cy="9015663"/>
+          </a:xfrm>
+          <a:prstGeom prst="rect">
+            <a:avLst/>
+          </a:prstGeom>
+          <a:solidFill>
+            <a:srgbClr val="FFFFFF">
+              <a:shade val="85000"/>
+            </a:srgbClr>
+          </a:solidFill>
+          <a:ln w="88900" cap="sq">
+            <a:solidFill>
+              <a:srgbClr val="FFFFFF"/>
+            </a:solidFill>
+            <a:miter lim="800000"/>
+          </a:ln>
+          <a:effectLst>
+            <a:outerShdw blurRad="55000" dist="18000" dir="5400000" algn="tl" rotWithShape="0">
+              <a:srgbClr val="000000">
+                <a:alpha val="40000"/>
+              </a:srgbClr>
+            </a:outerShdw>
+          </a:effectLst>
+          <a:scene3d>
+            <a:camera prst="orthographicFront"/>
+            <a:lightRig rig="twoPt" dir="t">
+              <a:rot lat="0" lon="0" rev="7200000"/>
+            </a:lightRig>
+          </a:scene3d>
+          <a:sp3d>
+            <a:bevelT w="25400" h="19050"/>
+            <a:contourClr>
+              <a:srgbClr val="FFFFFF"/>
+            </a:contourClr>
+          </a:sp3d>
+        </p:spPr>
+      </p:pic>
+      <p:pic>
+        <p:nvPicPr>
+          <p:cNvPr id="112" name="Grafik 111">
+            <a:extLst>
+              <a:ext uri="{FF2B5EF4-FFF2-40B4-BE49-F238E27FC236}">
+                <a16:creationId xmlns:a16="http://schemas.microsoft.com/office/drawing/2014/main" id="{9CB5D4CB-BFCF-440C-8647-85DF155B2372}"/>
+              </a:ext>
+            </a:extLst>
+          </p:cNvPr>
+          <p:cNvPicPr>
+            <a:picLocks noChangeAspect="1"/>
+          </p:cNvPicPr>
+          <p:nvPr/>
+        </p:nvPicPr>
+        <p:blipFill>
+          <a:blip r:embed="rId4">
+            <a:extLst>
+              <a:ext uri="{28A0092B-C50C-407E-A947-70E740481C1C}">
+                <a14:useLocalDpi xmlns:a14="http://schemas.microsoft.com/office/drawing/2010/main" val="0"/>
+              </a:ext>
+            </a:extLst>
+          </a:blip>
+          <a:stretch>
+            <a:fillRect/>
+          </a:stretch>
+        </p:blipFill>
+        <p:spPr>
+          <a:xfrm>
+            <a:off x="31639061" y="32070605"/>
+            <a:ext cx="16733682" cy="7985838"/>
+          </a:xfrm>
+          <a:prstGeom prst="rect">
+            <a:avLst/>
+          </a:prstGeom>
+          <a:solidFill>
+            <a:srgbClr val="FFFFFF">
+              <a:shade val="85000"/>
+            </a:srgbClr>
+          </a:solidFill>
+          <a:ln w="88900" cap="sq">
+            <a:solidFill>
+              <a:srgbClr val="FFFFFF"/>
+            </a:solidFill>
+            <a:miter lim="800000"/>
+          </a:ln>
+          <a:effectLst>
+            <a:outerShdw blurRad="55000" dist="18000" dir="5400000" algn="tl" rotWithShape="0">
+              <a:srgbClr val="000000">
+                <a:alpha val="40000"/>
+              </a:srgbClr>
+            </a:outerShdw>
+          </a:effectLst>
+          <a:scene3d>
+            <a:camera prst="orthographicFront"/>
+            <a:lightRig rig="twoPt" dir="t">
+              <a:rot lat="0" lon="0" rev="7200000"/>
+            </a:lightRig>
+          </a:scene3d>
+          <a:sp3d>
+            <a:bevelT w="25400" h="19050"/>
+            <a:contourClr>
+              <a:srgbClr val="FFFFFF"/>
+            </a:contourClr>
+          </a:sp3d>
+        </p:spPr>
+      </p:pic>
+      <p:pic>
+        <p:nvPicPr>
+          <p:cNvPr id="114" name="Grafik 113">
+            <a:extLst>
+              <a:ext uri="{FF2B5EF4-FFF2-40B4-BE49-F238E27FC236}">
+                <a16:creationId xmlns:a16="http://schemas.microsoft.com/office/drawing/2014/main" id="{84E7FCD3-472A-46A0-98D3-09A6428BEBE3}"/>
+              </a:ext>
+            </a:extLst>
+          </p:cNvPr>
+          <p:cNvPicPr>
+            <a:picLocks noChangeAspect="1"/>
+          </p:cNvPicPr>
+          <p:nvPr/>
+        </p:nvPicPr>
+        <p:blipFill>
+          <a:blip r:embed="rId5">
+            <a:extLst>
+              <a:ext uri="{28A0092B-C50C-407E-A947-70E740481C1C}">
+                <a14:useLocalDpi xmlns:a14="http://schemas.microsoft.com/office/drawing/2010/main" val="0"/>
+              </a:ext>
+            </a:extLst>
+          </a:blip>
+          <a:stretch>
+            <a:fillRect/>
+          </a:stretch>
+        </p:blipFill>
+        <p:spPr>
+          <a:xfrm>
+            <a:off x="31766524" y="18990036"/>
+            <a:ext cx="16606219" cy="8080049"/>
+          </a:xfrm>
+          <a:prstGeom prst="rect">
+            <a:avLst/>
+          </a:prstGeom>
+          <a:solidFill>
+            <a:srgbClr val="FFFFFF">
+              <a:shade val="85000"/>
+            </a:srgbClr>
+          </a:solidFill>
+          <a:ln w="88900" cap="sq">
+            <a:solidFill>
+              <a:srgbClr val="FFFFFF"/>
+            </a:solidFill>
+            <a:miter lim="800000"/>
+          </a:ln>
+          <a:effectLst>
+            <a:outerShdw blurRad="55000" dist="18000" dir="5400000" algn="tl" rotWithShape="0">
+              <a:srgbClr val="000000">
+                <a:alpha val="40000"/>
+              </a:srgbClr>
+            </a:outerShdw>
+          </a:effectLst>
+          <a:scene3d>
+            <a:camera prst="orthographicFront"/>
+            <a:lightRig rig="twoPt" dir="t">
+              <a:rot lat="0" lon="0" rev="7200000"/>
+            </a:lightRig>
+          </a:scene3d>
+          <a:sp3d>
+            <a:bevelT w="25400" h="19050"/>
+            <a:contourClr>
+              <a:srgbClr val="FFFFFF"/>
+            </a:contourClr>
+          </a:sp3d>
+        </p:spPr>
+      </p:pic>
+      <mc:AlternateContent xmlns:mc="http://schemas.openxmlformats.org/markup-compatibility/2006">
+        <mc:Choice xmlns:a14="http://schemas.microsoft.com/office/drawing/2010/main" Requires="a14">
+          <p:sp>
+            <p:nvSpPr>
+              <p:cNvPr id="115" name="Textfeld 114">
+                <a:extLst>
+                  <a:ext uri="{FF2B5EF4-FFF2-40B4-BE49-F238E27FC236}">
+                    <a16:creationId xmlns:a16="http://schemas.microsoft.com/office/drawing/2014/main" id="{5A4753FA-BCD2-45F6-BD97-AEA7876F4C28}"/>
+                  </a:ext>
+                </a:extLst>
+              </p:cNvPr>
+              <p:cNvSpPr txBox="1"/>
+              <p:nvPr/>
+            </p:nvSpPr>
+            <p:spPr>
+              <a:xfrm>
+                <a:off x="19905335" y="17199111"/>
+                <a:ext cx="10557164" cy="9976129"/>
+              </a:xfrm>
+              <a:prstGeom prst="rect">
+                <a:avLst/>
+              </a:prstGeom>
+            </p:spPr>
+            <p:style>
+              <a:lnRef idx="2">
+                <a:schemeClr val="dk1"/>
+              </a:lnRef>
+              <a:fillRef idx="1">
+                <a:schemeClr val="lt1"/>
+              </a:fillRef>
+              <a:effectRef idx="0">
+                <a:schemeClr val="dk1"/>
+              </a:effectRef>
+              <a:fontRef idx="minor">
+                <a:schemeClr val="dk1"/>
+              </a:fontRef>
+            </p:style>
+            <p:txBody>
+              <a:bodyPr wrap="square" rtlCol="0">
+                <a:spAutoFit/>
+              </a:bodyPr>
+              <a:lstStyle/>
+              <a:p>
+                <a:r>
+                  <a:rPr lang="de-DE" sz="6000" b="1" dirty="0"/>
+                  <a:t>Distanzberechnung</a:t>
+                </a:r>
+              </a:p>
+              <a:p>
+                <a:r>
+                  <a:rPr lang="de-DE" sz="6000" dirty="0"/>
+                  <a:t>Gleichmäßige Beschleunigung:</a:t>
+                </a:r>
+              </a:p>
+              <a:p>
+                <a14:m>
+                  <m:oMathPara xmlns:m="http://schemas.openxmlformats.org/officeDocument/2006/math">
+                    <m:oMathParaPr>
+                      <m:jc m:val="centerGroup"/>
+                    </m:oMathParaPr>
+                    <m:oMath xmlns:m="http://schemas.openxmlformats.org/officeDocument/2006/math">
+                      <m:r>
+                        <a:rPr lang="de-DE" sz="6000" b="0" i="1" smtClean="0"/>
+                        <m:t>𝑠</m:t>
+                      </m:r>
+                      <m:r>
+                        <a:rPr lang="de-DE" sz="6000" b="0" i="1" smtClean="0"/>
+                        <m:t>=</m:t>
+                      </m:r>
+                      <m:r>
+                        <a:rPr lang="de-DE" sz="6000" b="0" i="1" smtClean="0"/>
+                        <m:t>𝑠</m:t>
+                      </m:r>
+                      <m:r>
+                        <a:rPr lang="de-DE" sz="6000" b="0" i="1" smtClean="0"/>
+                        <m:t>+</m:t>
+                      </m:r>
+                      <m:r>
+                        <a:rPr lang="de-DE" sz="6000" b="0" i="1" smtClean="0"/>
+                        <m:t>𝑎</m:t>
+                      </m:r>
+                      <m:r>
+                        <a:rPr lang="de-DE" sz="6000" b="0" i="1" smtClean="0"/>
+                        <m:t> ∗</m:t>
+                      </m:r>
+                      <m:sSup>
+                        <m:sSupPr>
+                          <m:ctrlPr>
+                            <a:rPr lang="de-DE" sz="6000" b="0" i="1" smtClean="0"/>
+                          </m:ctrlPr>
+                        </m:sSupPr>
+                        <m:e>
+                          <m:r>
+                            <a:rPr lang="de-DE" sz="6000" b="0" i="1" smtClean="0"/>
+                            <m:t>𝑡</m:t>
+                          </m:r>
+                        </m:e>
+                        <m:sup>
+                          <m:r>
+                            <a:rPr lang="de-DE" sz="6000" b="0" i="1" smtClean="0"/>
+                            <m:t>2</m:t>
+                          </m:r>
+                        </m:sup>
+                      </m:sSup>
+                      <m:r>
+                        <a:rPr lang="de-DE" sz="6000" b="0" i="1" smtClean="0"/>
+                        <m:t>∗</m:t>
+                      </m:r>
+                      <m:f>
+                        <m:fPr>
+                          <m:ctrlPr>
+                            <a:rPr lang="de-DE" sz="6000" b="0" i="1" smtClean="0"/>
+                          </m:ctrlPr>
+                        </m:fPr>
+                        <m:num>
+                          <m:r>
+                            <a:rPr lang="de-DE" sz="6000" b="0" i="1" smtClean="0"/>
+                            <m:t>1</m:t>
+                          </m:r>
+                        </m:num>
+                        <m:den>
+                          <m:r>
+                            <a:rPr lang="de-DE" sz="6000" b="0" i="1" smtClean="0"/>
+                            <m:t>2</m:t>
+                          </m:r>
+                        </m:den>
+                      </m:f>
+                    </m:oMath>
+                  </m:oMathPara>
+                </a14:m>
+                <a:endParaRPr lang="de-DE" sz="6000" dirty="0"/>
+              </a:p>
+              <a:p>
+                <a:r>
+                  <a:rPr lang="de-DE" sz="6000" dirty="0"/>
+                  <a:t>Integrale:</a:t>
+                </a:r>
+              </a:p>
+              <a:p>
+                <a:endParaRPr lang="de-DE" sz="6000" dirty="0"/>
+              </a:p>
+              <a:p>
+                <a14:m>
+                  <m:oMathPara xmlns:m="http://schemas.openxmlformats.org/officeDocument/2006/math">
+                    <m:oMathParaPr>
+                      <m:jc m:val="centerGroup"/>
+                    </m:oMathParaPr>
+                    <m:oMath xmlns:m="http://schemas.openxmlformats.org/officeDocument/2006/math">
+                      <m:r>
+                        <a:rPr lang="de-DE" sz="6000" b="0" i="1" smtClean="0"/>
+                        <m:t>𝑣</m:t>
+                      </m:r>
+                      <m:r>
+                        <a:rPr lang="de-DE" sz="6000" b="0" i="1" smtClean="0"/>
+                        <m:t>=</m:t>
+                      </m:r>
+                      <m:r>
+                        <a:rPr lang="de-DE" sz="6000" b="0" i="1" smtClean="0"/>
+                        <m:t>𝑡</m:t>
+                      </m:r>
+                      <m:r>
+                        <a:rPr lang="de-DE" sz="6000" b="0" i="1" smtClean="0"/>
+                        <m:t>∗</m:t>
+                      </m:r>
+                      <m:f>
+                        <m:fPr>
+                          <m:ctrlPr>
+                            <a:rPr lang="de-DE" sz="6000" b="0" i="1" smtClean="0"/>
+                          </m:ctrlPr>
+                        </m:fPr>
+                        <m:num>
+                          <m:sSub>
+                            <m:sSubPr>
+                              <m:ctrlPr>
+                                <a:rPr lang="de-DE" sz="6000" i="1"/>
+                              </m:ctrlPr>
+                            </m:sSubPr>
+                            <m:e>
+                              <m:r>
+                                <a:rPr lang="de-DE" sz="6000" i="1"/>
+                                <m:t>(</m:t>
+                              </m:r>
+                              <m:r>
+                                <a:rPr lang="de-DE" sz="6000" i="1"/>
+                                <m:t>𝑎</m:t>
+                              </m:r>
+                            </m:e>
+                            <m:sub>
+                              <m:r>
+                                <a:rPr lang="de-DE" sz="6000" i="1"/>
+                                <m:t>𝑛</m:t>
+                              </m:r>
+                            </m:sub>
+                          </m:sSub>
+                          <m:r>
+                            <a:rPr lang="de-DE" sz="6000" i="1"/>
+                            <m:t>+</m:t>
+                          </m:r>
+                          <m:sSub>
+                            <m:sSubPr>
+                              <m:ctrlPr>
+                                <a:rPr lang="de-DE" sz="6000" i="1"/>
+                              </m:ctrlPr>
+                            </m:sSubPr>
+                            <m:e>
+                              <m:r>
+                                <a:rPr lang="de-DE" sz="6000" i="1"/>
+                                <m:t>𝑎</m:t>
+                              </m:r>
+                            </m:e>
+                            <m:sub>
+                              <m:r>
+                                <a:rPr lang="de-DE" sz="6000" i="1"/>
+                                <m:t>𝑛</m:t>
+                              </m:r>
+                              <m:r>
+                                <a:rPr lang="de-DE" sz="6000" i="1"/>
+                                <m:t>−1</m:t>
+                              </m:r>
+                            </m:sub>
+                          </m:sSub>
+                          <m:r>
+                            <a:rPr lang="de-DE" sz="6000" i="1"/>
+                            <m:t>)</m:t>
+                          </m:r>
+                        </m:num>
+                        <m:den>
+                          <m:r>
+                            <a:rPr lang="de-DE" sz="6000" b="0" i="1" smtClean="0"/>
+                            <m:t>2</m:t>
+                          </m:r>
+                        </m:den>
+                      </m:f>
+                      <m:r>
+                        <a:rPr lang="de-DE" sz="6000" b="0" i="1" smtClean="0"/>
+                        <m:t>+</m:t>
+                      </m:r>
+                      <m:r>
+                        <a:rPr lang="de-DE" sz="6000" b="0" i="1" smtClean="0"/>
+                        <m:t>𝑣</m:t>
+                      </m:r>
+                    </m:oMath>
+                  </m:oMathPara>
+                </a14:m>
+                <a:endParaRPr lang="de-DE" sz="6000" dirty="0"/>
+              </a:p>
+              <a:p>
+                <a:endParaRPr lang="de-DE" sz="6000" dirty="0"/>
+              </a:p>
+              <a:p>
+                <a14:m>
+                  <m:oMathPara xmlns:m="http://schemas.openxmlformats.org/officeDocument/2006/math">
+                    <m:oMathParaPr>
+                      <m:jc m:val="centerGroup"/>
+                    </m:oMathParaPr>
+                    <m:oMath xmlns:m="http://schemas.openxmlformats.org/officeDocument/2006/math">
+                      <m:r>
+                        <a:rPr lang="de-DE" sz="6000" b="0" i="1" smtClean="0"/>
+                        <m:t>𝑠</m:t>
+                      </m:r>
+                      <m:r>
+                        <a:rPr lang="de-DE" sz="6000" b="0" i="1" smtClean="0"/>
+                        <m:t>=</m:t>
+                      </m:r>
+                      <m:r>
+                        <a:rPr lang="de-DE" sz="6000" b="0" i="1" smtClean="0"/>
+                        <m:t>𝑡</m:t>
+                      </m:r>
+                      <m:r>
+                        <a:rPr lang="de-DE" sz="6000" b="0" i="1" smtClean="0"/>
+                        <m:t> ∗</m:t>
+                      </m:r>
+                      <m:f>
+                        <m:fPr>
+                          <m:ctrlPr>
+                            <a:rPr lang="de-DE" sz="6000" b="0" i="1" smtClean="0"/>
+                          </m:ctrlPr>
+                        </m:fPr>
+                        <m:num>
+                          <m:d>
+                            <m:dPr>
+                              <m:ctrlPr>
+                                <a:rPr lang="de-DE" sz="6000" b="0" i="1" smtClean="0"/>
+                              </m:ctrlPr>
+                            </m:dPr>
+                            <m:e>
+                              <m:sSub>
+                                <m:sSubPr>
+                                  <m:ctrlPr>
+                                    <a:rPr lang="de-DE" sz="6000" b="0" i="1" smtClean="0"/>
+                                  </m:ctrlPr>
+                                </m:sSubPr>
+                                <m:e>
+                                  <m:r>
+                                    <a:rPr lang="de-DE" sz="6000" b="0" i="1" smtClean="0"/>
+                                    <m:t>𝑣</m:t>
+                                  </m:r>
+                                </m:e>
+                                <m:sub>
+                                  <m:r>
+                                    <a:rPr lang="de-DE" sz="6000" b="0" i="1" smtClean="0"/>
+                                    <m:t>𝑛</m:t>
+                                  </m:r>
+                                </m:sub>
+                              </m:sSub>
+                              <m:r>
+                                <a:rPr lang="de-DE" sz="6000" b="0" i="1" smtClean="0"/>
+                                <m:t>+</m:t>
+                              </m:r>
+                              <m:sSub>
+                                <m:sSubPr>
+                                  <m:ctrlPr>
+                                    <a:rPr lang="de-DE" sz="6000" b="0" i="1" smtClean="0"/>
+                                  </m:ctrlPr>
+                                </m:sSubPr>
+                                <m:e>
+                                  <m:r>
+                                    <a:rPr lang="de-DE" sz="6000" b="0" i="1" smtClean="0"/>
+                                    <m:t>𝑣</m:t>
+                                  </m:r>
+                                </m:e>
+                                <m:sub>
+                                  <m:r>
+                                    <a:rPr lang="de-DE" sz="6000" b="0" i="1" smtClean="0"/>
+                                    <m:t>𝑛</m:t>
+                                  </m:r>
+                                  <m:r>
+                                    <a:rPr lang="de-DE" sz="6000" b="0" i="1" smtClean="0"/>
+                                    <m:t>−1</m:t>
+                                  </m:r>
+                                </m:sub>
+                              </m:sSub>
+                            </m:e>
+                          </m:d>
+                        </m:num>
+                        <m:den>
+                          <m:r>
+                            <a:rPr lang="de-DE" sz="6000" b="0" i="1" smtClean="0"/>
+                            <m:t>2</m:t>
+                          </m:r>
+                        </m:den>
+                      </m:f>
+                      <m:r>
+                        <a:rPr lang="de-DE" sz="6000" b="0" i="1" smtClean="0"/>
+                        <m:t>+</m:t>
+                      </m:r>
+                      <m:r>
+                        <a:rPr lang="de-DE" sz="6000" b="0" i="1" smtClean="0"/>
+                        <m:t>𝑠</m:t>
+                      </m:r>
+                    </m:oMath>
+                  </m:oMathPara>
+                </a14:m>
+                <a:endParaRPr lang="de-DE" sz="6000" dirty="0"/>
+              </a:p>
+            </p:txBody>
+          </p:sp>
+        </mc:Choice>
+        <mc:Fallback>
+          <p:sp>
+            <p:nvSpPr>
+              <p:cNvPr id="115" name="Textfeld 114">
+                <a:extLst>
+                  <a:ext uri="{FF2B5EF4-FFF2-40B4-BE49-F238E27FC236}">
+                    <a16:creationId xmlns:a16="http://schemas.microsoft.com/office/drawing/2014/main" id="{5A4753FA-BCD2-45F6-BD97-AEA7876F4C28}"/>
+                  </a:ext>
+                </a:extLst>
+              </p:cNvPr>
+              <p:cNvSpPr txBox="1">
+                <a:spLocks noRot="1" noChangeAspect="1" noMove="1" noResize="1" noEditPoints="1" noAdjustHandles="1" noChangeArrowheads="1" noChangeShapeType="1" noTextEdit="1"/>
+              </p:cNvSpPr>
+              <p:nvPr/>
+            </p:nvSpPr>
+            <p:spPr>
+              <a:xfrm>
+                <a:off x="19905335" y="17199111"/>
+                <a:ext cx="10557164" cy="9976129"/>
+              </a:xfrm>
+              <a:prstGeom prst="rect">
+                <a:avLst/>
+              </a:prstGeom>
+              <a:blipFill>
+                <a:blip r:embed="rId6"/>
+                <a:stretch>
+                  <a:fillRect l="-3403" t="-1769"/>
+                </a:stretch>
+              </a:blipFill>
+            </p:spPr>
+            <p:txBody>
+              <a:bodyPr/>
+              <a:lstStyle/>
+              <a:p>
+                <a:r>
+                  <a:rPr lang="de-DE">
+                    <a:noFill/>
+                  </a:rPr>
+                  <a:t> </a:t>
+                </a:r>
+              </a:p>
+            </p:txBody>
+          </p:sp>
+        </mc:Fallback>
+      </mc:AlternateContent>
+      <p:sp>
+        <p:nvSpPr>
+          <p:cNvPr id="117" name="Textfeld 116">
+            <a:extLst>
+              <a:ext uri="{FF2B5EF4-FFF2-40B4-BE49-F238E27FC236}">
+                <a16:creationId xmlns:a16="http://schemas.microsoft.com/office/drawing/2014/main" id="{2EAEB407-ED45-4838-BFA1-12A6F6D43E3A}"/>
+              </a:ext>
+            </a:extLst>
+          </p:cNvPr>
+          <p:cNvSpPr txBox="1"/>
+          <p:nvPr/>
+        </p:nvSpPr>
+        <p:spPr>
+          <a:xfrm>
+            <a:off x="19905336" y="30175200"/>
+            <a:ext cx="10557164" cy="4708981"/>
+          </a:xfrm>
+          <a:prstGeom prst="rect">
+            <a:avLst/>
+          </a:prstGeom>
+        </p:spPr>
+        <p:style>
+          <a:lnRef idx="2">
+            <a:schemeClr val="dk1"/>
+          </a:lnRef>
+          <a:fillRef idx="1">
+            <a:schemeClr val="lt1"/>
+          </a:fillRef>
+          <a:effectRef idx="0">
+            <a:schemeClr val="dk1"/>
+          </a:effectRef>
+          <a:fontRef idx="minor">
+            <a:schemeClr val="dk1"/>
+          </a:fontRef>
+        </p:style>
+        <p:txBody>
+          <a:bodyPr wrap="square" rtlCol="0">
+            <a:spAutoFit/>
+          </a:bodyPr>
+          <a:lstStyle/>
+          <a:p>
+            <a:r>
+              <a:rPr lang="de-DE" sz="6000" dirty="0"/>
+              <a:t>Die Fehler steigen exponentiell, dies kann nicht vermieden, jedoch durch andere Sensoren, Kalibrierungen und Filtern verbessert werden.</a:t>
+            </a:r>
+          </a:p>
+        </p:txBody>
+      </p:sp>
+      <p:sp>
+        <p:nvSpPr>
+          <p:cNvPr id="118" name="Fußzeilenplatzhalter 117">
+            <a:extLst>
+              <a:ext uri="{FF2B5EF4-FFF2-40B4-BE49-F238E27FC236}">
+                <a16:creationId xmlns:a16="http://schemas.microsoft.com/office/drawing/2014/main" id="{6671F571-85AA-498B-B755-03BC631C79C2}"/>
+              </a:ext>
+            </a:extLst>
+          </p:cNvPr>
+          <p:cNvSpPr>
+            <a:spLocks noGrp="1"/>
+          </p:cNvSpPr>
+          <p:nvPr>
+            <p:ph type="ftr" sz="quarter" idx="11"/>
+          </p:nvPr>
+        </p:nvSpPr>
+        <p:spPr>
+          <a:xfrm>
+            <a:off x="16694982" y="40770140"/>
+            <a:ext cx="17009983" cy="2300034"/>
+          </a:xfrm>
+        </p:spPr>
+        <p:txBody>
+          <a:bodyPr/>
+          <a:lstStyle/>
+          <a:p>
+            <a:r>
+              <a:rPr lang="de-DE" dirty="0"/>
+              <a:t>Projekt von Antonio Rehwinkel, 13.1.2022</a:t>
+            </a:r>
+            <a:endParaRPr lang="en-GB" dirty="0"/>
           </a:p>
         </p:txBody>
       </p:sp>
@@ -3358,4 +5376,299 @@
     </a:ext>
   </a:extLst>
 </a:theme>
+</file>
+
+<file path=ppt/theme/theme2.xml><?xml version="1.0" encoding="utf-8"?>
+<a:theme xmlns:a="http://schemas.openxmlformats.org/drawingml/2006/main" name="Office">
+  <a:themeElements>
+    <a:clrScheme name="Office">
+      <a:dk1>
+        <a:sysClr val="windowText" lastClr="000000"/>
+      </a:dk1>
+      <a:lt1>
+        <a:sysClr val="window" lastClr="FFFFFF"/>
+      </a:lt1>
+      <a:dk2>
+        <a:srgbClr val="44546A"/>
+      </a:dk2>
+      <a:lt2>
+        <a:srgbClr val="E7E6E6"/>
+      </a:lt2>
+      <a:accent1>
+        <a:srgbClr val="4472C4"/>
+      </a:accent1>
+      <a:accent2>
+        <a:srgbClr val="ED7D31"/>
+      </a:accent2>
+      <a:accent3>
+        <a:srgbClr val="A5A5A5"/>
+      </a:accent3>
+      <a:accent4>
+        <a:srgbClr val="FFC000"/>
+      </a:accent4>
+      <a:accent5>
+        <a:srgbClr val="5B9BD5"/>
+      </a:accent5>
+      <a:accent6>
+        <a:srgbClr val="70AD47"/>
+      </a:accent6>
+      <a:hlink>
+        <a:srgbClr val="0563C1"/>
+      </a:hlink>
+      <a:folHlink>
+        <a:srgbClr val="954F72"/>
+      </a:folHlink>
+    </a:clrScheme>
+    <a:fontScheme name="Office">
+      <a:majorFont>
+        <a:latin typeface="Calibri Light" panose="020F0302020204030204"/>
+        <a:ea typeface=""/>
+        <a:cs typeface=""/>
+        <a:font script="Jpan" typeface="游ゴシック Light"/>
+        <a:font script="Hang" typeface="맑은 고딕"/>
+        <a:font script="Hans" typeface="等线 Light"/>
+        <a:font script="Hant" typeface="新細明體"/>
+        <a:font script="Arab" typeface="Times New Roman"/>
+        <a:font script="Hebr" typeface="Times New Roman"/>
+        <a:font script="Thai" typeface="Angsana New"/>
+        <a:font script="Ethi" typeface="Nyala"/>
+        <a:font script="Beng" typeface="Vrinda"/>
+        <a:font script="Gujr" typeface="Shruti"/>
+        <a:font script="Khmr" typeface="MoolBoran"/>
+        <a:font script="Knda" typeface="Tunga"/>
+        <a:font script="Guru" typeface="Raavi"/>
+        <a:font script="Cans" typeface="Euphemia"/>
+        <a:font script="Cher" typeface="Plantagenet Cherokee"/>
+        <a:font script="Yiii" typeface="Microsoft Yi Baiti"/>
+        <a:font script="Tibt" typeface="Microsoft Himalaya"/>
+        <a:font script="Thaa" typeface="MV Boli"/>
+        <a:font script="Deva" typeface="Mangal"/>
+        <a:font script="Telu" typeface="Gautami"/>
+        <a:font script="Taml" typeface="Latha"/>
+        <a:font script="Syrc" typeface="Estrangelo Edessa"/>
+        <a:font script="Orya" typeface="Kalinga"/>
+        <a:font script="Mlym" typeface="Kartika"/>
+        <a:font script="Laoo" typeface="DokChampa"/>
+        <a:font script="Sinh" typeface="Iskoola Pota"/>
+        <a:font script="Mong" typeface="Mongolian Baiti"/>
+        <a:font script="Viet" typeface="Times New Roman"/>
+        <a:font script="Uigh" typeface="Microsoft Uighur"/>
+        <a:font script="Geor" typeface="Sylfaen"/>
+        <a:font script="Armn" typeface="Arial"/>
+        <a:font script="Bugi" typeface="Leelawadee UI"/>
+        <a:font script="Bopo" typeface="Microsoft JhengHei"/>
+        <a:font script="Java" typeface="Javanese Text"/>
+        <a:font script="Lisu" typeface="Segoe UI"/>
+        <a:font script="Mymr" typeface="Myanmar Text"/>
+        <a:font script="Nkoo" typeface="Ebrima"/>
+        <a:font script="Olck" typeface="Nirmala UI"/>
+        <a:font script="Osma" typeface="Ebrima"/>
+        <a:font script="Phag" typeface="Phagspa"/>
+        <a:font script="Syrn" typeface="Estrangelo Edessa"/>
+        <a:font script="Syrj" typeface="Estrangelo Edessa"/>
+        <a:font script="Syre" typeface="Estrangelo Edessa"/>
+        <a:font script="Sora" typeface="Nirmala UI"/>
+        <a:font script="Tale" typeface="Microsoft Tai Le"/>
+        <a:font script="Talu" typeface="Microsoft New Tai Lue"/>
+        <a:font script="Tfng" typeface="Ebrima"/>
+      </a:majorFont>
+      <a:minorFont>
+        <a:latin typeface="Calibri" panose="020F0502020204030204"/>
+        <a:ea typeface=""/>
+        <a:cs typeface=""/>
+        <a:font script="Jpan" typeface="游ゴシック"/>
+        <a:font script="Hang" typeface="맑은 고딕"/>
+        <a:font script="Hans" typeface="等线"/>
+        <a:font script="Hant" typeface="新細明體"/>
+        <a:font script="Arab" typeface="Arial"/>
+        <a:font script="Hebr" typeface="Arial"/>
+        <a:font script="Thai" typeface="Cordia New"/>
+        <a:font script="Ethi" typeface="Nyala"/>
+        <a:font script="Beng" typeface="Vrinda"/>
+        <a:font script="Gujr" typeface="Shruti"/>
+        <a:font script="Khmr" typeface="DaunPenh"/>
+        <a:font script="Knda" typeface="Tunga"/>
+        <a:font script="Guru" typeface="Raavi"/>
+        <a:font script="Cans" typeface="Euphemia"/>
+        <a:font script="Cher" typeface="Plantagenet Cherokee"/>
+        <a:font script="Yiii" typeface="Microsoft Yi Baiti"/>
+        <a:font script="Tibt" typeface="Microsoft Himalaya"/>
+        <a:font script="Thaa" typeface="MV Boli"/>
+        <a:font script="Deva" typeface="Mangal"/>
+        <a:font script="Telu" typeface="Gautami"/>
+        <a:font script="Taml" typeface="Latha"/>
+        <a:font script="Syrc" typeface="Estrangelo Edessa"/>
+        <a:font script="Orya" typeface="Kalinga"/>
+        <a:font script="Mlym" typeface="Kartika"/>
+        <a:font script="Laoo" typeface="DokChampa"/>
+        <a:font script="Sinh" typeface="Iskoola Pota"/>
+        <a:font script="Mong" typeface="Mongolian Baiti"/>
+        <a:font script="Viet" typeface="Arial"/>
+        <a:font script="Uigh" typeface="Microsoft Uighur"/>
+        <a:font script="Geor" typeface="Sylfaen"/>
+        <a:font script="Armn" typeface="Arial"/>
+        <a:font script="Bugi" typeface="Leelawadee UI"/>
+        <a:font script="Bopo" typeface="Microsoft JhengHei"/>
+        <a:font script="Java" typeface="Javanese Text"/>
+        <a:font script="Lisu" typeface="Segoe UI"/>
+        <a:font script="Mymr" typeface="Myanmar Text"/>
+        <a:font script="Nkoo" typeface="Ebrima"/>
+        <a:font script="Olck" typeface="Nirmala UI"/>
+        <a:font script="Osma" typeface="Ebrima"/>
+        <a:font script="Phag" typeface="Phagspa"/>
+        <a:font script="Syrn" typeface="Estrangelo Edessa"/>
+        <a:font script="Syrj" typeface="Estrangelo Edessa"/>
+        <a:font script="Syre" typeface="Estrangelo Edessa"/>
+        <a:font script="Sora" typeface="Nirmala UI"/>
+        <a:font script="Tale" typeface="Microsoft Tai Le"/>
+        <a:font script="Talu" typeface="Microsoft New Tai Lue"/>
+        <a:font script="Tfng" typeface="Ebrima"/>
+      </a:minorFont>
+    </a:fontScheme>
+    <a:fmtScheme name="Office">
+      <a:fillStyleLst>
+        <a:solidFill>
+          <a:schemeClr val="phClr"/>
+        </a:solidFill>
+        <a:gradFill rotWithShape="1">
+          <a:gsLst>
+            <a:gs pos="0">
+              <a:schemeClr val="phClr">
+                <a:lumMod val="110000"/>
+                <a:satMod val="105000"/>
+                <a:tint val="67000"/>
+              </a:schemeClr>
+            </a:gs>
+            <a:gs pos="50000">
+              <a:schemeClr val="phClr">
+                <a:lumMod val="105000"/>
+                <a:satMod val="103000"/>
+                <a:tint val="73000"/>
+              </a:schemeClr>
+            </a:gs>
+            <a:gs pos="100000">
+              <a:schemeClr val="phClr">
+                <a:lumMod val="105000"/>
+                <a:satMod val="109000"/>
+                <a:tint val="81000"/>
+              </a:schemeClr>
+            </a:gs>
+          </a:gsLst>
+          <a:lin ang="5400000" scaled="0"/>
+        </a:gradFill>
+        <a:gradFill rotWithShape="1">
+          <a:gsLst>
+            <a:gs pos="0">
+              <a:schemeClr val="phClr">
+                <a:satMod val="103000"/>
+                <a:lumMod val="102000"/>
+                <a:tint val="94000"/>
+              </a:schemeClr>
+            </a:gs>
+            <a:gs pos="50000">
+              <a:schemeClr val="phClr">
+                <a:satMod val="110000"/>
+                <a:lumMod val="100000"/>
+                <a:shade val="100000"/>
+              </a:schemeClr>
+            </a:gs>
+            <a:gs pos="100000">
+              <a:schemeClr val="phClr">
+                <a:lumMod val="99000"/>
+                <a:satMod val="120000"/>
+                <a:shade val="78000"/>
+              </a:schemeClr>
+            </a:gs>
+          </a:gsLst>
+          <a:lin ang="5400000" scaled="0"/>
+        </a:gradFill>
+      </a:fillStyleLst>
+      <a:lnStyleLst>
+        <a:ln w="6350" cap="flat" cmpd="sng" algn="ctr">
+          <a:solidFill>
+            <a:schemeClr val="phClr"/>
+          </a:solidFill>
+          <a:prstDash val="solid"/>
+          <a:miter lim="800000"/>
+        </a:ln>
+        <a:ln w="12700" cap="flat" cmpd="sng" algn="ctr">
+          <a:solidFill>
+            <a:schemeClr val="phClr"/>
+          </a:solidFill>
+          <a:prstDash val="solid"/>
+          <a:miter lim="800000"/>
+        </a:ln>
+        <a:ln w="19050" cap="flat" cmpd="sng" algn="ctr">
+          <a:solidFill>
+            <a:schemeClr val="phClr"/>
+          </a:solidFill>
+          <a:prstDash val="solid"/>
+          <a:miter lim="800000"/>
+        </a:ln>
+      </a:lnStyleLst>
+      <a:effectStyleLst>
+        <a:effectStyle>
+          <a:effectLst/>
+        </a:effectStyle>
+        <a:effectStyle>
+          <a:effectLst/>
+        </a:effectStyle>
+        <a:effectStyle>
+          <a:effectLst>
+            <a:outerShdw blurRad="57150" dist="19050" dir="5400000" algn="ctr" rotWithShape="0">
+              <a:srgbClr val="000000">
+                <a:alpha val="63000"/>
+              </a:srgbClr>
+            </a:outerShdw>
+          </a:effectLst>
+        </a:effectStyle>
+      </a:effectStyleLst>
+      <a:bgFillStyleLst>
+        <a:solidFill>
+          <a:schemeClr val="phClr"/>
+        </a:solidFill>
+        <a:solidFill>
+          <a:schemeClr val="phClr">
+            <a:tint val="95000"/>
+            <a:satMod val="170000"/>
+          </a:schemeClr>
+        </a:solidFill>
+        <a:gradFill rotWithShape="1">
+          <a:gsLst>
+            <a:gs pos="0">
+              <a:schemeClr val="phClr">
+                <a:tint val="93000"/>
+                <a:satMod val="150000"/>
+                <a:shade val="98000"/>
+                <a:lumMod val="102000"/>
+              </a:schemeClr>
+            </a:gs>
+            <a:gs pos="50000">
+              <a:schemeClr val="phClr">
+                <a:tint val="98000"/>
+                <a:satMod val="130000"/>
+                <a:shade val="90000"/>
+                <a:lumMod val="103000"/>
+              </a:schemeClr>
+            </a:gs>
+            <a:gs pos="100000">
+              <a:schemeClr val="phClr">
+                <a:shade val="63000"/>
+                <a:satMod val="120000"/>
+              </a:schemeClr>
+            </a:gs>
+          </a:gsLst>
+          <a:lin ang="5400000" scaled="0"/>
+        </a:gradFill>
+      </a:bgFillStyleLst>
+    </a:fmtScheme>
+  </a:themeElements>
+  <a:objectDefaults/>
+  <a:extraClrSchemeLst/>
+  <a:extLst>
+    <a:ext uri="{05A4C25C-085E-4340-85A3-A5531E510DB2}">
+      <thm15:themeFamily xmlns:thm15="http://schemas.microsoft.com/office/thememl/2012/main" name="Office Theme" id="{62F939B6-93AF-4DB8-9C6B-D6C7DFDC589F}" vid="{4A3C46E8-61CC-4603-A589-7422A47A8E4A}"/>
+    </a:ext>
+  </a:extLst>
+</a:theme>
 </file>